--- a/SQL/pics.pptx
+++ b/SQL/pics.pptx
@@ -6,6 +6,8 @@
   </p:sldMasterIdLst>
   <p:sldIdLst>
     <p:sldId id="256" r:id="rId2"/>
+    <p:sldId id="257" r:id="rId3"/>
+    <p:sldId id="258" r:id="rId4"/>
   </p:sldIdLst>
   <p:sldSz cx="12192000" cy="6858000"/>
   <p:notesSz cx="6858000" cy="9144000"/>
@@ -259,7 +261,7 @@
           <a:p>
             <a:fld id="{192F5C13-91A9-494E-9FB7-1AEE7968F8A3}" type="datetimeFigureOut">
               <a:rPr lang="zh-CN" altLang="en-US" smtClean="0"/>
-              <a:t>2021/5/5</a:t>
+              <a:t>2021/07/21</a:t>
             </a:fld>
             <a:endParaRPr lang="zh-CN" altLang="en-US"/>
           </a:p>
@@ -457,7 +459,7 @@
           <a:p>
             <a:fld id="{192F5C13-91A9-494E-9FB7-1AEE7968F8A3}" type="datetimeFigureOut">
               <a:rPr lang="zh-CN" altLang="en-US" smtClean="0"/>
-              <a:t>2021/5/5</a:t>
+              <a:t>2021/07/21</a:t>
             </a:fld>
             <a:endParaRPr lang="zh-CN" altLang="en-US"/>
           </a:p>
@@ -665,7 +667,7 @@
           <a:p>
             <a:fld id="{192F5C13-91A9-494E-9FB7-1AEE7968F8A3}" type="datetimeFigureOut">
               <a:rPr lang="zh-CN" altLang="en-US" smtClean="0"/>
-              <a:t>2021/5/5</a:t>
+              <a:t>2021/07/21</a:t>
             </a:fld>
             <a:endParaRPr lang="zh-CN" altLang="en-US"/>
           </a:p>
@@ -863,7 +865,7 @@
           <a:p>
             <a:fld id="{192F5C13-91A9-494E-9FB7-1AEE7968F8A3}" type="datetimeFigureOut">
               <a:rPr lang="zh-CN" altLang="en-US" smtClean="0"/>
-              <a:t>2021/5/5</a:t>
+              <a:t>2021/07/21</a:t>
             </a:fld>
             <a:endParaRPr lang="zh-CN" altLang="en-US"/>
           </a:p>
@@ -1138,7 +1140,7 @@
           <a:p>
             <a:fld id="{192F5C13-91A9-494E-9FB7-1AEE7968F8A3}" type="datetimeFigureOut">
               <a:rPr lang="zh-CN" altLang="en-US" smtClean="0"/>
-              <a:t>2021/5/5</a:t>
+              <a:t>2021/07/21</a:t>
             </a:fld>
             <a:endParaRPr lang="zh-CN" altLang="en-US"/>
           </a:p>
@@ -1403,7 +1405,7 @@
           <a:p>
             <a:fld id="{192F5C13-91A9-494E-9FB7-1AEE7968F8A3}" type="datetimeFigureOut">
               <a:rPr lang="zh-CN" altLang="en-US" smtClean="0"/>
-              <a:t>2021/5/5</a:t>
+              <a:t>2021/07/21</a:t>
             </a:fld>
             <a:endParaRPr lang="zh-CN" altLang="en-US"/>
           </a:p>
@@ -1815,7 +1817,7 @@
           <a:p>
             <a:fld id="{192F5C13-91A9-494E-9FB7-1AEE7968F8A3}" type="datetimeFigureOut">
               <a:rPr lang="zh-CN" altLang="en-US" smtClean="0"/>
-              <a:t>2021/5/5</a:t>
+              <a:t>2021/07/21</a:t>
             </a:fld>
             <a:endParaRPr lang="zh-CN" altLang="en-US"/>
           </a:p>
@@ -1956,7 +1958,7 @@
           <a:p>
             <a:fld id="{192F5C13-91A9-494E-9FB7-1AEE7968F8A3}" type="datetimeFigureOut">
               <a:rPr lang="zh-CN" altLang="en-US" smtClean="0"/>
-              <a:t>2021/5/5</a:t>
+              <a:t>2021/07/21</a:t>
             </a:fld>
             <a:endParaRPr lang="zh-CN" altLang="en-US"/>
           </a:p>
@@ -2069,7 +2071,7 @@
           <a:p>
             <a:fld id="{192F5C13-91A9-494E-9FB7-1AEE7968F8A3}" type="datetimeFigureOut">
               <a:rPr lang="zh-CN" altLang="en-US" smtClean="0"/>
-              <a:t>2021/5/5</a:t>
+              <a:t>2021/07/21</a:t>
             </a:fld>
             <a:endParaRPr lang="zh-CN" altLang="en-US"/>
           </a:p>
@@ -2380,7 +2382,7 @@
           <a:p>
             <a:fld id="{192F5C13-91A9-494E-9FB7-1AEE7968F8A3}" type="datetimeFigureOut">
               <a:rPr lang="zh-CN" altLang="en-US" smtClean="0"/>
-              <a:t>2021/5/5</a:t>
+              <a:t>2021/07/21</a:t>
             </a:fld>
             <a:endParaRPr lang="zh-CN" altLang="en-US"/>
           </a:p>
@@ -2668,7 +2670,7 @@
           <a:p>
             <a:fld id="{192F5C13-91A9-494E-9FB7-1AEE7968F8A3}" type="datetimeFigureOut">
               <a:rPr lang="zh-CN" altLang="en-US" smtClean="0"/>
-              <a:t>2021/5/5</a:t>
+              <a:t>2021/07/21</a:t>
             </a:fld>
             <a:endParaRPr lang="zh-CN" altLang="en-US"/>
           </a:p>
@@ -2909,7 +2911,7 @@
           <a:p>
             <a:fld id="{192F5C13-91A9-494E-9FB7-1AEE7968F8A3}" type="datetimeFigureOut">
               <a:rPr lang="zh-CN" altLang="en-US" smtClean="0"/>
-              <a:t>2021/5/5</a:t>
+              <a:t>2021/07/21</a:t>
             </a:fld>
             <a:endParaRPr lang="zh-CN" altLang="en-US"/>
           </a:p>
@@ -3326,144 +3328,304 @@
           <a:chExt cx="0" cy="0"/>
         </a:xfrm>
       </p:grpSpPr>
-      <p:sp>
-        <p:nvSpPr>
-          <p:cNvPr id="4" name="矩形 3">
-            <a:extLst>
-              <a:ext uri="{FF2B5EF4-FFF2-40B4-BE49-F238E27FC236}">
-                <a16:creationId xmlns:a16="http://schemas.microsoft.com/office/drawing/2014/main" id="{3B3AF97A-C3DD-4DBE-9FC6-54D20081C36C}"/>
-              </a:ext>
-            </a:extLst>
-          </p:cNvPr>
-          <p:cNvSpPr/>
+      <p:cxnSp>
+        <p:nvCxnSpPr>
+          <p:cNvPr id="5" name="直接连接符 4">
+            <a:extLst>
+              <a:ext uri="{FF2B5EF4-FFF2-40B4-BE49-F238E27FC236}">
+                <a16:creationId xmlns:a16="http://schemas.microsoft.com/office/drawing/2014/main" id="{8858D9B2-F774-4F58-9227-B5B3CCDD43E5}"/>
+              </a:ext>
+            </a:extLst>
+          </p:cNvPr>
+          <p:cNvCxnSpPr>
+            <a:cxnSpLocks/>
+          </p:cNvCxnSpPr>
           <p:nvPr/>
-        </p:nvSpPr>
+        </p:nvCxnSpPr>
         <p:spPr>
           <a:xfrm>
-            <a:off x="3076113" y="1278385"/>
-            <a:ext cx="4252404" cy="3071674"/>
+            <a:off x="2894120" y="1837677"/>
+            <a:ext cx="6241002" cy="0"/>
           </a:xfrm>
-          <a:prstGeom prst="rect">
+          <a:prstGeom prst="line">
             <a:avLst/>
           </a:prstGeom>
         </p:spPr>
         <p:style>
-          <a:lnRef idx="2">
+          <a:lnRef idx="1">
             <a:schemeClr val="dk1"/>
           </a:lnRef>
-          <a:fillRef idx="1">
-            <a:schemeClr val="lt1"/>
+          <a:fillRef idx="0">
+            <a:schemeClr val="dk1"/>
           </a:fillRef>
           <a:effectRef idx="0">
             <a:schemeClr val="dk1"/>
           </a:effectRef>
           <a:fontRef idx="minor">
-            <a:schemeClr val="dk1"/>
+            <a:schemeClr val="tx1"/>
           </a:fontRef>
         </p:style>
-        <p:txBody>
-          <a:bodyPr rtlCol="0" anchor="ctr"/>
-          <a:lstStyle/>
-          <a:p>
-            <a:pPr algn="ctr"/>
-            <a:endParaRPr lang="zh-CN" altLang="en-US" dirty="0"/>
-          </a:p>
-        </p:txBody>
-      </p:sp>
-      <p:sp>
-        <p:nvSpPr>
-          <p:cNvPr id="5" name="矩形 4">
-            <a:extLst>
-              <a:ext uri="{FF2B5EF4-FFF2-40B4-BE49-F238E27FC236}">
-                <a16:creationId xmlns:a16="http://schemas.microsoft.com/office/drawing/2014/main" id="{9F206BFB-FE30-4F27-9FB4-8214FC2FC76D}"/>
-              </a:ext>
-            </a:extLst>
-          </p:cNvPr>
-          <p:cNvSpPr/>
+      </p:cxnSp>
+      <p:cxnSp>
+        <p:nvCxnSpPr>
+          <p:cNvPr id="6" name="直接连接符 5">
+            <a:extLst>
+              <a:ext uri="{FF2B5EF4-FFF2-40B4-BE49-F238E27FC236}">
+                <a16:creationId xmlns:a16="http://schemas.microsoft.com/office/drawing/2014/main" id="{1D6A2864-E803-40C7-BC2F-8EB35A348EA8}"/>
+              </a:ext>
+            </a:extLst>
+          </p:cNvPr>
+          <p:cNvCxnSpPr>
+            <a:cxnSpLocks/>
+          </p:cNvCxnSpPr>
           <p:nvPr/>
-        </p:nvSpPr>
+        </p:nvCxnSpPr>
         <p:spPr>
           <a:xfrm>
-            <a:off x="3076113" y="4873841"/>
-            <a:ext cx="4252404" cy="1065320"/>
+            <a:off x="2894120" y="2362940"/>
+            <a:ext cx="6241002" cy="0"/>
           </a:xfrm>
-          <a:prstGeom prst="rect">
+          <a:prstGeom prst="line">
             <a:avLst/>
           </a:prstGeom>
         </p:spPr>
         <p:style>
-          <a:lnRef idx="2">
+          <a:lnRef idx="1">
             <a:schemeClr val="dk1"/>
           </a:lnRef>
-          <a:fillRef idx="1">
-            <a:schemeClr val="lt1"/>
+          <a:fillRef idx="0">
+            <a:schemeClr val="dk1"/>
           </a:fillRef>
           <a:effectRef idx="0">
             <a:schemeClr val="dk1"/>
           </a:effectRef>
           <a:fontRef idx="minor">
-            <a:schemeClr val="dk1"/>
+            <a:schemeClr val="tx1"/>
           </a:fontRef>
         </p:style>
-        <p:txBody>
-          <a:bodyPr rtlCol="0" anchor="ctr"/>
-          <a:lstStyle/>
-          <a:p>
-            <a:pPr algn="ctr"/>
-            <a:endParaRPr lang="zh-CN" altLang="en-US"/>
-          </a:p>
-        </p:txBody>
-      </p:sp>
-      <p:sp>
-        <p:nvSpPr>
-          <p:cNvPr id="6" name="椭圆 5">
-            <a:extLst>
-              <a:ext uri="{FF2B5EF4-FFF2-40B4-BE49-F238E27FC236}">
-                <a16:creationId xmlns:a16="http://schemas.microsoft.com/office/drawing/2014/main" id="{BD04A185-B260-4897-AAAD-3016632E6992}"/>
-              </a:ext>
-            </a:extLst>
-          </p:cNvPr>
-          <p:cNvSpPr/>
+      </p:cxnSp>
+      <p:cxnSp>
+        <p:nvCxnSpPr>
+          <p:cNvPr id="10" name="直接连接符 9">
+            <a:extLst>
+              <a:ext uri="{FF2B5EF4-FFF2-40B4-BE49-F238E27FC236}">
+                <a16:creationId xmlns:a16="http://schemas.microsoft.com/office/drawing/2014/main" id="{77E9F584-F798-4598-806D-1D1C282A1425}"/>
+              </a:ext>
+            </a:extLst>
+          </p:cNvPr>
+          <p:cNvCxnSpPr/>
           <p:nvPr/>
-        </p:nvSpPr>
+        </p:nvCxnSpPr>
         <p:spPr>
           <a:xfrm>
-            <a:off x="4426997" y="168675"/>
-            <a:ext cx="1669003" cy="798991"/>
+            <a:off x="3613211" y="1837678"/>
+            <a:ext cx="0" cy="525263"/>
           </a:xfrm>
-          <a:prstGeom prst="ellipse">
+          <a:prstGeom prst="line">
             <a:avLst/>
           </a:prstGeom>
         </p:spPr>
         <p:style>
-          <a:lnRef idx="2">
-            <a:schemeClr val="dk1"/>
+          <a:lnRef idx="1">
+            <a:schemeClr val="accent1"/>
           </a:lnRef>
-          <a:fillRef idx="1">
-            <a:schemeClr val="lt1"/>
+          <a:fillRef idx="0">
+            <a:schemeClr val="accent1"/>
           </a:fillRef>
           <a:effectRef idx="0">
-            <a:schemeClr val="dk1"/>
+            <a:schemeClr val="accent1"/>
           </a:effectRef>
           <a:fontRef idx="minor">
-            <a:schemeClr val="dk1"/>
+            <a:schemeClr val="tx1"/>
           </a:fontRef>
         </p:style>
-        <p:txBody>
-          <a:bodyPr rtlCol="0" anchor="ctr"/>
-          <a:lstStyle/>
-          <a:p>
-            <a:pPr algn="ctr"/>
-            <a:endParaRPr lang="zh-CN" altLang="en-US"/>
-          </a:p>
-        </p:txBody>
-      </p:sp>
-      <p:sp>
-        <p:nvSpPr>
-          <p:cNvPr id="8" name="文本框 7">
-            <a:extLst>
-              <a:ext uri="{FF2B5EF4-FFF2-40B4-BE49-F238E27FC236}">
-                <a16:creationId xmlns:a16="http://schemas.microsoft.com/office/drawing/2014/main" id="{199F2DE2-0126-4FB6-9722-BD37B2668904}"/>
+      </p:cxnSp>
+      <p:cxnSp>
+        <p:nvCxnSpPr>
+          <p:cNvPr id="11" name="直接连接符 10">
+            <a:extLst>
+              <a:ext uri="{FF2B5EF4-FFF2-40B4-BE49-F238E27FC236}">
+                <a16:creationId xmlns:a16="http://schemas.microsoft.com/office/drawing/2014/main" id="{B2C96510-CB91-4820-BF4F-FB8528C5F77B}"/>
+              </a:ext>
+            </a:extLst>
+          </p:cNvPr>
+          <p:cNvCxnSpPr/>
+          <p:nvPr/>
+        </p:nvCxnSpPr>
+        <p:spPr>
+          <a:xfrm>
+            <a:off x="4511335" y="1837678"/>
+            <a:ext cx="0" cy="525263"/>
+          </a:xfrm>
+          <a:prstGeom prst="line">
+            <a:avLst/>
+          </a:prstGeom>
+        </p:spPr>
+        <p:style>
+          <a:lnRef idx="1">
+            <a:schemeClr val="accent1"/>
+          </a:lnRef>
+          <a:fillRef idx="0">
+            <a:schemeClr val="accent1"/>
+          </a:fillRef>
+          <a:effectRef idx="0">
+            <a:schemeClr val="accent1"/>
+          </a:effectRef>
+          <a:fontRef idx="minor">
+            <a:schemeClr val="tx1"/>
+          </a:fontRef>
+        </p:style>
+      </p:cxnSp>
+      <p:cxnSp>
+        <p:nvCxnSpPr>
+          <p:cNvPr id="12" name="直接连接符 11">
+            <a:extLst>
+              <a:ext uri="{FF2B5EF4-FFF2-40B4-BE49-F238E27FC236}">
+                <a16:creationId xmlns:a16="http://schemas.microsoft.com/office/drawing/2014/main" id="{E95FDFC7-2FA9-42AC-9654-AA14E92B5EC8}"/>
+              </a:ext>
+            </a:extLst>
+          </p:cNvPr>
+          <p:cNvCxnSpPr/>
+          <p:nvPr/>
+        </p:nvCxnSpPr>
+        <p:spPr>
+          <a:xfrm>
+            <a:off x="5462725" y="1837678"/>
+            <a:ext cx="0" cy="525263"/>
+          </a:xfrm>
+          <a:prstGeom prst="line">
+            <a:avLst/>
+          </a:prstGeom>
+        </p:spPr>
+        <p:style>
+          <a:lnRef idx="1">
+            <a:schemeClr val="accent1"/>
+          </a:lnRef>
+          <a:fillRef idx="0">
+            <a:schemeClr val="accent1"/>
+          </a:fillRef>
+          <a:effectRef idx="0">
+            <a:schemeClr val="accent1"/>
+          </a:effectRef>
+          <a:fontRef idx="minor">
+            <a:schemeClr val="tx1"/>
+          </a:fontRef>
+        </p:style>
+      </p:cxnSp>
+      <p:cxnSp>
+        <p:nvCxnSpPr>
+          <p:cNvPr id="13" name="直接连接符 12">
+            <a:extLst>
+              <a:ext uri="{FF2B5EF4-FFF2-40B4-BE49-F238E27FC236}">
+                <a16:creationId xmlns:a16="http://schemas.microsoft.com/office/drawing/2014/main" id="{DD3426E9-DD2E-42F6-99C3-983D6F016008}"/>
+              </a:ext>
+            </a:extLst>
+          </p:cNvPr>
+          <p:cNvCxnSpPr/>
+          <p:nvPr/>
+        </p:nvCxnSpPr>
+        <p:spPr>
+          <a:xfrm>
+            <a:off x="6369728" y="1837678"/>
+            <a:ext cx="0" cy="525263"/>
+          </a:xfrm>
+          <a:prstGeom prst="line">
+            <a:avLst/>
+          </a:prstGeom>
+        </p:spPr>
+        <p:style>
+          <a:lnRef idx="1">
+            <a:schemeClr val="accent1"/>
+          </a:lnRef>
+          <a:fillRef idx="0">
+            <a:schemeClr val="accent1"/>
+          </a:fillRef>
+          <a:effectRef idx="0">
+            <a:schemeClr val="accent1"/>
+          </a:effectRef>
+          <a:fontRef idx="minor">
+            <a:schemeClr val="tx1"/>
+          </a:fontRef>
+        </p:style>
+      </p:cxnSp>
+      <p:cxnSp>
+        <p:nvCxnSpPr>
+          <p:cNvPr id="14" name="直接连接符 13">
+            <a:extLst>
+              <a:ext uri="{FF2B5EF4-FFF2-40B4-BE49-F238E27FC236}">
+                <a16:creationId xmlns:a16="http://schemas.microsoft.com/office/drawing/2014/main" id="{3AD91E79-3A13-4E46-8DAF-E04EA1372826}"/>
+              </a:ext>
+            </a:extLst>
+          </p:cNvPr>
+          <p:cNvCxnSpPr/>
+          <p:nvPr/>
+        </p:nvCxnSpPr>
+        <p:spPr>
+          <a:xfrm>
+            <a:off x="7303362" y="1837678"/>
+            <a:ext cx="0" cy="525263"/>
+          </a:xfrm>
+          <a:prstGeom prst="line">
+            <a:avLst/>
+          </a:prstGeom>
+        </p:spPr>
+        <p:style>
+          <a:lnRef idx="1">
+            <a:schemeClr val="accent1"/>
+          </a:lnRef>
+          <a:fillRef idx="0">
+            <a:schemeClr val="accent1"/>
+          </a:fillRef>
+          <a:effectRef idx="0">
+            <a:schemeClr val="accent1"/>
+          </a:effectRef>
+          <a:fontRef idx="minor">
+            <a:schemeClr val="tx1"/>
+          </a:fontRef>
+        </p:style>
+      </p:cxnSp>
+      <p:cxnSp>
+        <p:nvCxnSpPr>
+          <p:cNvPr id="15" name="直接连接符 14">
+            <a:extLst>
+              <a:ext uri="{FF2B5EF4-FFF2-40B4-BE49-F238E27FC236}">
+                <a16:creationId xmlns:a16="http://schemas.microsoft.com/office/drawing/2014/main" id="{D0D26A93-BD51-4933-A187-E420E8BBF821}"/>
+              </a:ext>
+            </a:extLst>
+          </p:cNvPr>
+          <p:cNvCxnSpPr/>
+          <p:nvPr/>
+        </p:nvCxnSpPr>
+        <p:spPr>
+          <a:xfrm>
+            <a:off x="8192609" y="1837677"/>
+            <a:ext cx="0" cy="525263"/>
+          </a:xfrm>
+          <a:prstGeom prst="line">
+            <a:avLst/>
+          </a:prstGeom>
+        </p:spPr>
+        <p:style>
+          <a:lnRef idx="1">
+            <a:schemeClr val="accent1"/>
+          </a:lnRef>
+          <a:fillRef idx="0">
+            <a:schemeClr val="accent1"/>
+          </a:fillRef>
+          <a:effectRef idx="0">
+            <a:schemeClr val="accent1"/>
+          </a:effectRef>
+          <a:fontRef idx="minor">
+            <a:schemeClr val="tx1"/>
+          </a:fontRef>
+        </p:style>
+      </p:cxnSp>
+      <p:sp>
+        <p:nvSpPr>
+          <p:cNvPr id="21" name="文本框 20">
+            <a:extLst>
+              <a:ext uri="{FF2B5EF4-FFF2-40B4-BE49-F238E27FC236}">
+                <a16:creationId xmlns:a16="http://schemas.microsoft.com/office/drawing/2014/main" id="{08583E8A-2809-4BD3-8EF0-6FCEDBB9EEA7}"/>
               </a:ext>
             </a:extLst>
           </p:cNvPr>
@@ -3472,8 +3634,8 @@
         </p:nvSpPr>
         <p:spPr>
           <a:xfrm>
-            <a:off x="4847208" y="383504"/>
-            <a:ext cx="1100831" cy="369332"/>
+            <a:off x="3484487" y="1468345"/>
+            <a:ext cx="292958" cy="369332"/>
           </a:xfrm>
           <a:prstGeom prst="rect">
             <a:avLst/>
@@ -3487,19 +3649,1997 @@
           <a:lstStyle/>
           <a:p>
             <a:r>
+              <a:rPr lang="en-US" altLang="zh-CN" dirty="0"/>
+              <a:t>0</a:t>
+            </a:r>
+            <a:endParaRPr lang="zh-CN" altLang="en-US" dirty="0"/>
+          </a:p>
+        </p:txBody>
+      </p:sp>
+      <p:sp>
+        <p:nvSpPr>
+          <p:cNvPr id="22" name="文本框 21">
+            <a:extLst>
+              <a:ext uri="{FF2B5EF4-FFF2-40B4-BE49-F238E27FC236}">
+                <a16:creationId xmlns:a16="http://schemas.microsoft.com/office/drawing/2014/main" id="{3B6B9021-D7E7-40C3-8FEA-6151D50876C5}"/>
+              </a:ext>
+            </a:extLst>
+          </p:cNvPr>
+          <p:cNvSpPr txBox="1"/>
+          <p:nvPr/>
+        </p:nvSpPr>
+        <p:spPr>
+          <a:xfrm>
+            <a:off x="4357457" y="1468345"/>
+            <a:ext cx="292958" cy="369332"/>
+          </a:xfrm>
+          <a:prstGeom prst="rect">
+            <a:avLst/>
+          </a:prstGeom>
+          <a:noFill/>
+        </p:spPr>
+        <p:txBody>
+          <a:bodyPr wrap="square" rtlCol="0">
+            <a:spAutoFit/>
+          </a:bodyPr>
+          <a:lstStyle/>
+          <a:p>
+            <a:r>
+              <a:rPr lang="en-US" altLang="zh-CN" dirty="0"/>
+              <a:t>5</a:t>
+            </a:r>
+            <a:endParaRPr lang="zh-CN" altLang="en-US" dirty="0"/>
+          </a:p>
+        </p:txBody>
+      </p:sp>
+      <p:sp>
+        <p:nvSpPr>
+          <p:cNvPr id="23" name="文本框 22">
+            <a:extLst>
+              <a:ext uri="{FF2B5EF4-FFF2-40B4-BE49-F238E27FC236}">
+                <a16:creationId xmlns:a16="http://schemas.microsoft.com/office/drawing/2014/main" id="{0513FE80-C89C-4B90-91E7-8266A6B6843D}"/>
+              </a:ext>
+            </a:extLst>
+          </p:cNvPr>
+          <p:cNvSpPr txBox="1"/>
+          <p:nvPr/>
+        </p:nvSpPr>
+        <p:spPr>
+          <a:xfrm>
+            <a:off x="5254106" y="1471874"/>
+            <a:ext cx="445358" cy="369332"/>
+          </a:xfrm>
+          <a:prstGeom prst="rect">
+            <a:avLst/>
+          </a:prstGeom>
+          <a:noFill/>
+        </p:spPr>
+        <p:txBody>
+          <a:bodyPr wrap="square" rtlCol="0">
+            <a:spAutoFit/>
+          </a:bodyPr>
+          <a:lstStyle/>
+          <a:p>
+            <a:r>
+              <a:rPr lang="en-US" altLang="zh-CN" dirty="0"/>
+              <a:t>10</a:t>
+            </a:r>
+            <a:endParaRPr lang="zh-CN" altLang="en-US" dirty="0"/>
+          </a:p>
+        </p:txBody>
+      </p:sp>
+      <p:sp>
+        <p:nvSpPr>
+          <p:cNvPr id="24" name="文本框 23">
+            <a:extLst>
+              <a:ext uri="{FF2B5EF4-FFF2-40B4-BE49-F238E27FC236}">
+                <a16:creationId xmlns:a16="http://schemas.microsoft.com/office/drawing/2014/main" id="{EBF6947A-EB75-459E-8FDF-A35B5BE0B0CA}"/>
+              </a:ext>
+            </a:extLst>
+          </p:cNvPr>
+          <p:cNvSpPr txBox="1"/>
+          <p:nvPr/>
+        </p:nvSpPr>
+        <p:spPr>
+          <a:xfrm>
+            <a:off x="6152230" y="1468345"/>
+            <a:ext cx="427606" cy="369332"/>
+          </a:xfrm>
+          <a:prstGeom prst="rect">
+            <a:avLst/>
+          </a:prstGeom>
+          <a:noFill/>
+        </p:spPr>
+        <p:txBody>
+          <a:bodyPr wrap="square" rtlCol="0">
+            <a:spAutoFit/>
+          </a:bodyPr>
+          <a:lstStyle/>
+          <a:p>
+            <a:r>
+              <a:rPr lang="en-US" altLang="zh-CN" dirty="0"/>
+              <a:t>15</a:t>
+            </a:r>
+            <a:endParaRPr lang="zh-CN" altLang="en-US" dirty="0"/>
+          </a:p>
+        </p:txBody>
+      </p:sp>
+      <p:sp>
+        <p:nvSpPr>
+          <p:cNvPr id="25" name="文本框 24">
+            <a:extLst>
+              <a:ext uri="{FF2B5EF4-FFF2-40B4-BE49-F238E27FC236}">
+                <a16:creationId xmlns:a16="http://schemas.microsoft.com/office/drawing/2014/main" id="{CB39C9DD-4EE1-4C6B-BA7E-9C3194EC924B}"/>
+              </a:ext>
+            </a:extLst>
+          </p:cNvPr>
+          <p:cNvSpPr txBox="1"/>
+          <p:nvPr/>
+        </p:nvSpPr>
+        <p:spPr>
+          <a:xfrm>
+            <a:off x="7106582" y="1468345"/>
+            <a:ext cx="427603" cy="369332"/>
+          </a:xfrm>
+          <a:prstGeom prst="rect">
+            <a:avLst/>
+          </a:prstGeom>
+          <a:noFill/>
+        </p:spPr>
+        <p:txBody>
+          <a:bodyPr wrap="square" rtlCol="0">
+            <a:spAutoFit/>
+          </a:bodyPr>
+          <a:lstStyle/>
+          <a:p>
+            <a:r>
+              <a:rPr lang="en-US" altLang="zh-CN" dirty="0"/>
+              <a:t>20</a:t>
+            </a:r>
+            <a:endParaRPr lang="zh-CN" altLang="en-US" dirty="0"/>
+          </a:p>
+        </p:txBody>
+      </p:sp>
+      <p:sp>
+        <p:nvSpPr>
+          <p:cNvPr id="26" name="文本框 25">
+            <a:extLst>
+              <a:ext uri="{FF2B5EF4-FFF2-40B4-BE49-F238E27FC236}">
+                <a16:creationId xmlns:a16="http://schemas.microsoft.com/office/drawing/2014/main" id="{FE4815A5-2C83-420A-BCDF-6AD45742AA74}"/>
+              </a:ext>
+            </a:extLst>
+          </p:cNvPr>
+          <p:cNvSpPr txBox="1"/>
+          <p:nvPr/>
+        </p:nvSpPr>
+        <p:spPr>
+          <a:xfrm>
+            <a:off x="7978807" y="1468345"/>
+            <a:ext cx="427603" cy="369332"/>
+          </a:xfrm>
+          <a:prstGeom prst="rect">
+            <a:avLst/>
+          </a:prstGeom>
+          <a:noFill/>
+        </p:spPr>
+        <p:txBody>
+          <a:bodyPr wrap="square" rtlCol="0">
+            <a:spAutoFit/>
+          </a:bodyPr>
+          <a:lstStyle/>
+          <a:p>
+            <a:r>
+              <a:rPr lang="en-US" altLang="zh-CN" dirty="0"/>
+              <a:t>25</a:t>
+            </a:r>
+            <a:endParaRPr lang="zh-CN" altLang="en-US" dirty="0"/>
+          </a:p>
+        </p:txBody>
+      </p:sp>
+      <mc:AlternateContent xmlns:mc="http://schemas.openxmlformats.org/markup-compatibility/2006" xmlns:a14="http://schemas.microsoft.com/office/drawing/2010/main">
+        <mc:Choice Requires="a14">
+          <p:sp>
+            <p:nvSpPr>
+              <p:cNvPr id="29" name="文本框 28">
+                <a:extLst>
+                  <a:ext uri="{FF2B5EF4-FFF2-40B4-BE49-F238E27FC236}">
+                    <a16:creationId xmlns:a16="http://schemas.microsoft.com/office/drawing/2014/main" id="{E68F39E8-AF75-492E-901E-9B25A9029938}"/>
+                  </a:ext>
+                </a:extLst>
+              </p:cNvPr>
+              <p:cNvSpPr txBox="1"/>
+              <p:nvPr/>
+            </p:nvSpPr>
+            <p:spPr>
+              <a:xfrm>
+                <a:off x="2748750" y="1915642"/>
+                <a:ext cx="613297" cy="369332"/>
+              </a:xfrm>
+              <a:prstGeom prst="rect">
+                <a:avLst/>
+              </a:prstGeom>
+              <a:noFill/>
+            </p:spPr>
+            <p:txBody>
+              <a:bodyPr wrap="square" rtlCol="0">
+                <a:spAutoFit/>
+              </a:bodyPr>
+              <a:lstStyle/>
+              <a:p>
+                <a:pPr/>
+                <a14:m>
+                  <m:oMathPara xmlns:m="http://schemas.openxmlformats.org/officeDocument/2006/math">
+                    <m:oMathParaPr>
+                      <m:jc m:val="centerGroup"/>
+                    </m:oMathParaPr>
+                    <m:oMath xmlns:m="http://schemas.openxmlformats.org/officeDocument/2006/math">
+                      <m:r>
+                        <a:rPr lang="en-US" altLang="zh-CN" b="0" i="1" smtClean="0">
+                          <a:latin typeface="Cambria Math" panose="02040503050406030204" pitchFamily="18" charset="0"/>
+                        </a:rPr>
+                        <m:t>(</m:t>
+                      </m:r>
+                      <m:r>
+                        <a:rPr lang="en-US" altLang="zh-CN" i="1" smtClean="0">
+                          <a:latin typeface="Cambria Math" panose="02040503050406030204" pitchFamily="18" charset="0"/>
+                        </a:rPr>
+                        <m:t>−∞</m:t>
+                      </m:r>
+                      <m:r>
+                        <a:rPr lang="en-US" altLang="zh-CN" b="0" i="0" smtClean="0">
+                          <a:latin typeface="Cambria Math" panose="02040503050406030204" pitchFamily="18" charset="0"/>
+                        </a:rPr>
+                        <m:t>,0)</m:t>
+                      </m:r>
+                    </m:oMath>
+                  </m:oMathPara>
+                </a14:m>
+                <a:endParaRPr lang="zh-CN" altLang="en-US" dirty="0"/>
+              </a:p>
+            </p:txBody>
+          </p:sp>
+        </mc:Choice>
+        <mc:Fallback xmlns="">
+          <p:sp>
+            <p:nvSpPr>
+              <p:cNvPr id="29" name="文本框 28">
+                <a:extLst>
+                  <a:ext uri="{FF2B5EF4-FFF2-40B4-BE49-F238E27FC236}">
+                    <a16:creationId xmlns:a16="http://schemas.microsoft.com/office/drawing/2014/main" id="{E68F39E8-AF75-492E-901E-9B25A9029938}"/>
+                  </a:ext>
+                </a:extLst>
+              </p:cNvPr>
+              <p:cNvSpPr txBox="1">
+                <a:spLocks noRot="1" noChangeAspect="1" noMove="1" noResize="1" noEditPoints="1" noAdjustHandles="1" noChangeArrowheads="1" noChangeShapeType="1" noTextEdit="1"/>
+              </p:cNvSpPr>
+              <p:nvPr/>
+            </p:nvSpPr>
+            <p:spPr>
+              <a:xfrm>
+                <a:off x="2748750" y="1915642"/>
+                <a:ext cx="613297" cy="369332"/>
+              </a:xfrm>
+              <a:prstGeom prst="rect">
+                <a:avLst/>
+              </a:prstGeom>
+              <a:blipFill>
+                <a:blip r:embed="rId2"/>
+                <a:stretch>
+                  <a:fillRect l="-2970" r="-58416" b="-13115"/>
+                </a:stretch>
+              </a:blipFill>
+            </p:spPr>
+            <p:txBody>
+              <a:bodyPr/>
+              <a:lstStyle/>
+              <a:p>
+                <a:r>
+                  <a:rPr lang="zh-CN" altLang="en-US">
+                    <a:noFill/>
+                  </a:rPr>
+                  <a:t> </a:t>
+                </a:r>
+              </a:p>
+            </p:txBody>
+          </p:sp>
+        </mc:Fallback>
+      </mc:AlternateContent>
+      <mc:AlternateContent xmlns:mc="http://schemas.openxmlformats.org/markup-compatibility/2006" xmlns:a14="http://schemas.microsoft.com/office/drawing/2010/main">
+        <mc:Choice Requires="a14">
+          <p:sp>
+            <p:nvSpPr>
+              <p:cNvPr id="31" name="矩形 30">
+                <a:extLst>
+                  <a:ext uri="{FF2B5EF4-FFF2-40B4-BE49-F238E27FC236}">
+                    <a16:creationId xmlns:a16="http://schemas.microsoft.com/office/drawing/2014/main" id="{7F02CF61-E556-4894-A282-EF0D8B631E77}"/>
+                  </a:ext>
+                </a:extLst>
+              </p:cNvPr>
+              <p:cNvSpPr/>
+              <p:nvPr/>
+            </p:nvSpPr>
+            <p:spPr>
+              <a:xfrm>
+                <a:off x="3668832" y="1915642"/>
+                <a:ext cx="744113" cy="369332"/>
+              </a:xfrm>
+              <a:prstGeom prst="rect">
+                <a:avLst/>
+              </a:prstGeom>
+            </p:spPr>
+            <p:txBody>
+              <a:bodyPr wrap="none">
+                <a:spAutoFit/>
+              </a:bodyPr>
+              <a:lstStyle/>
+              <a:p>
+                <a:pPr/>
+                <a14:m>
+                  <m:oMathPara xmlns:m="http://schemas.openxmlformats.org/officeDocument/2006/math">
+                    <m:oMathParaPr>
+                      <m:jc m:val="centerGroup"/>
+                    </m:oMathParaPr>
+                    <m:oMath xmlns:m="http://schemas.openxmlformats.org/officeDocument/2006/math">
+                      <m:r>
+                        <a:rPr lang="en-US" altLang="zh-CN" i="1" smtClean="0">
+                          <a:latin typeface="Cambria Math" panose="02040503050406030204" pitchFamily="18" charset="0"/>
+                        </a:rPr>
+                        <m:t>(</m:t>
+                      </m:r>
+                      <m:r>
+                        <a:rPr lang="en-US" altLang="zh-CN" b="0" i="1" smtClean="0">
+                          <a:latin typeface="Cambria Math" panose="02040503050406030204" pitchFamily="18" charset="0"/>
+                        </a:rPr>
+                        <m:t>0</m:t>
+                      </m:r>
+                      <m:r>
+                        <a:rPr lang="en-US" altLang="zh-CN">
+                          <a:latin typeface="Cambria Math" panose="02040503050406030204" pitchFamily="18" charset="0"/>
+                        </a:rPr>
+                        <m:t>,</m:t>
+                      </m:r>
+                      <m:r>
+                        <a:rPr lang="en-US" altLang="zh-CN" b="0" i="0" smtClean="0">
+                          <a:latin typeface="Cambria Math" panose="02040503050406030204" pitchFamily="18" charset="0"/>
+                        </a:rPr>
+                        <m:t>5</m:t>
+                      </m:r>
+                      <m:r>
+                        <a:rPr lang="en-US" altLang="zh-CN">
+                          <a:latin typeface="Cambria Math" panose="02040503050406030204" pitchFamily="18" charset="0"/>
+                        </a:rPr>
+                        <m:t>)</m:t>
+                      </m:r>
+                    </m:oMath>
+                  </m:oMathPara>
+                </a14:m>
+                <a:endParaRPr lang="zh-CN" altLang="en-US" dirty="0"/>
+              </a:p>
+            </p:txBody>
+          </p:sp>
+        </mc:Choice>
+        <mc:Fallback xmlns="">
+          <p:sp>
+            <p:nvSpPr>
+              <p:cNvPr id="31" name="矩形 30">
+                <a:extLst>
+                  <a:ext uri="{FF2B5EF4-FFF2-40B4-BE49-F238E27FC236}">
+                    <a16:creationId xmlns:a16="http://schemas.microsoft.com/office/drawing/2014/main" id="{7F02CF61-E556-4894-A282-EF0D8B631E77}"/>
+                  </a:ext>
+                </a:extLst>
+              </p:cNvPr>
+              <p:cNvSpPr>
+                <a:spLocks noRot="1" noChangeAspect="1" noMove="1" noResize="1" noEditPoints="1" noAdjustHandles="1" noChangeArrowheads="1" noChangeShapeType="1" noTextEdit="1"/>
+              </p:cNvSpPr>
+              <p:nvPr/>
+            </p:nvSpPr>
+            <p:spPr>
+              <a:xfrm>
+                <a:off x="3668832" y="1915642"/>
+                <a:ext cx="744113" cy="369332"/>
+              </a:xfrm>
+              <a:prstGeom prst="rect">
+                <a:avLst/>
+              </a:prstGeom>
+              <a:blipFill>
+                <a:blip r:embed="rId3"/>
+                <a:stretch>
+                  <a:fillRect b="-13115"/>
+                </a:stretch>
+              </a:blipFill>
+            </p:spPr>
+            <p:txBody>
+              <a:bodyPr/>
+              <a:lstStyle/>
+              <a:p>
+                <a:r>
+                  <a:rPr lang="zh-CN" altLang="en-US">
+                    <a:noFill/>
+                  </a:rPr>
+                  <a:t> </a:t>
+                </a:r>
+              </a:p>
+            </p:txBody>
+          </p:sp>
+        </mc:Fallback>
+      </mc:AlternateContent>
+      <mc:AlternateContent xmlns:mc="http://schemas.openxmlformats.org/markup-compatibility/2006" xmlns:a14="http://schemas.microsoft.com/office/drawing/2010/main">
+        <mc:Choice Requires="a14">
+          <p:sp>
+            <p:nvSpPr>
+              <p:cNvPr id="32" name="矩形 31">
+                <a:extLst>
+                  <a:ext uri="{FF2B5EF4-FFF2-40B4-BE49-F238E27FC236}">
+                    <a16:creationId xmlns:a16="http://schemas.microsoft.com/office/drawing/2014/main" id="{707AC2B9-304E-4236-9154-83E1C901D962}"/>
+                  </a:ext>
+                </a:extLst>
+              </p:cNvPr>
+              <p:cNvSpPr/>
+              <p:nvPr/>
+            </p:nvSpPr>
+            <p:spPr>
+              <a:xfrm>
+                <a:off x="4559298" y="1913878"/>
+                <a:ext cx="872355" cy="369332"/>
+              </a:xfrm>
+              <a:prstGeom prst="rect">
+                <a:avLst/>
+              </a:prstGeom>
+            </p:spPr>
+            <p:txBody>
+              <a:bodyPr wrap="none">
+                <a:spAutoFit/>
+              </a:bodyPr>
+              <a:lstStyle/>
+              <a:p>
+                <a:pPr/>
+                <a14:m>
+                  <m:oMathPara xmlns:m="http://schemas.openxmlformats.org/officeDocument/2006/math">
+                    <m:oMathParaPr>
+                      <m:jc m:val="centerGroup"/>
+                    </m:oMathParaPr>
+                    <m:oMath xmlns:m="http://schemas.openxmlformats.org/officeDocument/2006/math">
+                      <m:r>
+                        <a:rPr lang="en-US" altLang="zh-CN" i="1" smtClean="0">
+                          <a:latin typeface="Cambria Math" panose="02040503050406030204" pitchFamily="18" charset="0"/>
+                        </a:rPr>
+                        <m:t>(</m:t>
+                      </m:r>
+                      <m:r>
+                        <a:rPr lang="en-US" altLang="zh-CN" b="0" i="1" smtClean="0">
+                          <a:latin typeface="Cambria Math" panose="02040503050406030204" pitchFamily="18" charset="0"/>
+                        </a:rPr>
+                        <m:t>5</m:t>
+                      </m:r>
+                      <m:r>
+                        <a:rPr lang="en-US" altLang="zh-CN">
+                          <a:latin typeface="Cambria Math" panose="02040503050406030204" pitchFamily="18" charset="0"/>
+                        </a:rPr>
+                        <m:t>,</m:t>
+                      </m:r>
+                      <m:r>
+                        <a:rPr lang="en-US" altLang="zh-CN" b="0" i="0" smtClean="0">
+                          <a:latin typeface="Cambria Math" panose="02040503050406030204" pitchFamily="18" charset="0"/>
+                        </a:rPr>
+                        <m:t>10</m:t>
+                      </m:r>
+                      <m:r>
+                        <a:rPr lang="en-US" altLang="zh-CN">
+                          <a:latin typeface="Cambria Math" panose="02040503050406030204" pitchFamily="18" charset="0"/>
+                        </a:rPr>
+                        <m:t>)</m:t>
+                      </m:r>
+                    </m:oMath>
+                  </m:oMathPara>
+                </a14:m>
+                <a:endParaRPr lang="zh-CN" altLang="en-US" dirty="0"/>
+              </a:p>
+            </p:txBody>
+          </p:sp>
+        </mc:Choice>
+        <mc:Fallback xmlns="">
+          <p:sp>
+            <p:nvSpPr>
+              <p:cNvPr id="32" name="矩形 31">
+                <a:extLst>
+                  <a:ext uri="{FF2B5EF4-FFF2-40B4-BE49-F238E27FC236}">
+                    <a16:creationId xmlns:a16="http://schemas.microsoft.com/office/drawing/2014/main" id="{707AC2B9-304E-4236-9154-83E1C901D962}"/>
+                  </a:ext>
+                </a:extLst>
+              </p:cNvPr>
+              <p:cNvSpPr>
+                <a:spLocks noRot="1" noChangeAspect="1" noMove="1" noResize="1" noEditPoints="1" noAdjustHandles="1" noChangeArrowheads="1" noChangeShapeType="1" noTextEdit="1"/>
+              </p:cNvSpPr>
+              <p:nvPr/>
+            </p:nvSpPr>
+            <p:spPr>
+              <a:xfrm>
+                <a:off x="4559298" y="1913878"/>
+                <a:ext cx="872355" cy="369332"/>
+              </a:xfrm>
+              <a:prstGeom prst="rect">
+                <a:avLst/>
+              </a:prstGeom>
+              <a:blipFill>
+                <a:blip r:embed="rId4"/>
+                <a:stretch>
+                  <a:fillRect b="-11475"/>
+                </a:stretch>
+              </a:blipFill>
+            </p:spPr>
+            <p:txBody>
+              <a:bodyPr/>
+              <a:lstStyle/>
+              <a:p>
+                <a:r>
+                  <a:rPr lang="zh-CN" altLang="en-US">
+                    <a:noFill/>
+                  </a:rPr>
+                  <a:t> </a:t>
+                </a:r>
+              </a:p>
+            </p:txBody>
+          </p:sp>
+        </mc:Fallback>
+      </mc:AlternateContent>
+      <mc:AlternateContent xmlns:mc="http://schemas.openxmlformats.org/markup-compatibility/2006" xmlns:a14="http://schemas.microsoft.com/office/drawing/2010/main">
+        <mc:Choice Requires="a14">
+          <p:sp>
+            <p:nvSpPr>
+              <p:cNvPr id="33" name="矩形 32">
+                <a:extLst>
+                  <a:ext uri="{FF2B5EF4-FFF2-40B4-BE49-F238E27FC236}">
+                    <a16:creationId xmlns:a16="http://schemas.microsoft.com/office/drawing/2014/main" id="{DAE083AF-9B2E-4CEE-B00F-425DA20A83F0}"/>
+                  </a:ext>
+                </a:extLst>
+              </p:cNvPr>
+              <p:cNvSpPr/>
+              <p:nvPr/>
+            </p:nvSpPr>
+            <p:spPr>
+              <a:xfrm>
+                <a:off x="5416116" y="1913878"/>
+                <a:ext cx="1000595" cy="369332"/>
+              </a:xfrm>
+              <a:prstGeom prst="rect">
+                <a:avLst/>
+              </a:prstGeom>
+            </p:spPr>
+            <p:txBody>
+              <a:bodyPr wrap="none">
+                <a:spAutoFit/>
+              </a:bodyPr>
+              <a:lstStyle/>
+              <a:p>
+                <a:pPr/>
+                <a14:m>
+                  <m:oMathPara xmlns:m="http://schemas.openxmlformats.org/officeDocument/2006/math">
+                    <m:oMathParaPr>
+                      <m:jc m:val="centerGroup"/>
+                    </m:oMathParaPr>
+                    <m:oMath xmlns:m="http://schemas.openxmlformats.org/officeDocument/2006/math">
+                      <m:r>
+                        <a:rPr lang="en-US" altLang="zh-CN" i="1" smtClean="0">
+                          <a:latin typeface="Cambria Math" panose="02040503050406030204" pitchFamily="18" charset="0"/>
+                        </a:rPr>
+                        <m:t>(</m:t>
+                      </m:r>
+                      <m:r>
+                        <a:rPr lang="en-US" altLang="zh-CN" b="0" i="1" smtClean="0">
+                          <a:latin typeface="Cambria Math" panose="02040503050406030204" pitchFamily="18" charset="0"/>
+                        </a:rPr>
+                        <m:t>10</m:t>
+                      </m:r>
+                      <m:r>
+                        <a:rPr lang="en-US" altLang="zh-CN">
+                          <a:latin typeface="Cambria Math" panose="02040503050406030204" pitchFamily="18" charset="0"/>
+                        </a:rPr>
+                        <m:t>,</m:t>
+                      </m:r>
+                      <m:r>
+                        <a:rPr lang="en-US" altLang="zh-CN" b="0" i="0" smtClean="0">
+                          <a:latin typeface="Cambria Math" panose="02040503050406030204" pitchFamily="18" charset="0"/>
+                        </a:rPr>
+                        <m:t>15</m:t>
+                      </m:r>
+                      <m:r>
+                        <a:rPr lang="en-US" altLang="zh-CN">
+                          <a:latin typeface="Cambria Math" panose="02040503050406030204" pitchFamily="18" charset="0"/>
+                        </a:rPr>
+                        <m:t>)</m:t>
+                      </m:r>
+                    </m:oMath>
+                  </m:oMathPara>
+                </a14:m>
+                <a:endParaRPr lang="zh-CN" altLang="en-US" dirty="0"/>
+              </a:p>
+            </p:txBody>
+          </p:sp>
+        </mc:Choice>
+        <mc:Fallback xmlns="">
+          <p:sp>
+            <p:nvSpPr>
+              <p:cNvPr id="33" name="矩形 32">
+                <a:extLst>
+                  <a:ext uri="{FF2B5EF4-FFF2-40B4-BE49-F238E27FC236}">
+                    <a16:creationId xmlns:a16="http://schemas.microsoft.com/office/drawing/2014/main" id="{DAE083AF-9B2E-4CEE-B00F-425DA20A83F0}"/>
+                  </a:ext>
+                </a:extLst>
+              </p:cNvPr>
+              <p:cNvSpPr>
+                <a:spLocks noRot="1" noChangeAspect="1" noMove="1" noResize="1" noEditPoints="1" noAdjustHandles="1" noChangeArrowheads="1" noChangeShapeType="1" noTextEdit="1"/>
+              </p:cNvSpPr>
+              <p:nvPr/>
+            </p:nvSpPr>
+            <p:spPr>
+              <a:xfrm>
+                <a:off x="5416116" y="1913878"/>
+                <a:ext cx="1000595" cy="369332"/>
+              </a:xfrm>
+              <a:prstGeom prst="rect">
+                <a:avLst/>
+              </a:prstGeom>
+              <a:blipFill>
+                <a:blip r:embed="rId5"/>
+                <a:stretch>
+                  <a:fillRect b="-11475"/>
+                </a:stretch>
+              </a:blipFill>
+            </p:spPr>
+            <p:txBody>
+              <a:bodyPr/>
+              <a:lstStyle/>
+              <a:p>
+                <a:r>
+                  <a:rPr lang="zh-CN" altLang="en-US">
+                    <a:noFill/>
+                  </a:rPr>
+                  <a:t> </a:t>
+                </a:r>
+              </a:p>
+            </p:txBody>
+          </p:sp>
+        </mc:Fallback>
+      </mc:AlternateContent>
+      <mc:AlternateContent xmlns:mc="http://schemas.openxmlformats.org/markup-compatibility/2006" xmlns:a14="http://schemas.microsoft.com/office/drawing/2010/main">
+        <mc:Choice Requires="a14">
+          <p:sp>
+            <p:nvSpPr>
+              <p:cNvPr id="34" name="矩形 33">
+                <a:extLst>
+                  <a:ext uri="{FF2B5EF4-FFF2-40B4-BE49-F238E27FC236}">
+                    <a16:creationId xmlns:a16="http://schemas.microsoft.com/office/drawing/2014/main" id="{844DA19D-4284-4F11-93D1-0B419965449E}"/>
+                  </a:ext>
+                </a:extLst>
+              </p:cNvPr>
+              <p:cNvSpPr/>
+              <p:nvPr/>
+            </p:nvSpPr>
+            <p:spPr>
+              <a:xfrm>
+                <a:off x="6324234" y="1913878"/>
+                <a:ext cx="1000595" cy="369332"/>
+              </a:xfrm>
+              <a:prstGeom prst="rect">
+                <a:avLst/>
+              </a:prstGeom>
+            </p:spPr>
+            <p:txBody>
+              <a:bodyPr wrap="none">
+                <a:spAutoFit/>
+              </a:bodyPr>
+              <a:lstStyle/>
+              <a:p>
+                <a:pPr/>
+                <a14:m>
+                  <m:oMathPara xmlns:m="http://schemas.openxmlformats.org/officeDocument/2006/math">
+                    <m:oMathParaPr>
+                      <m:jc m:val="centerGroup"/>
+                    </m:oMathParaPr>
+                    <m:oMath xmlns:m="http://schemas.openxmlformats.org/officeDocument/2006/math">
+                      <m:r>
+                        <a:rPr lang="en-US" altLang="zh-CN" i="1" smtClean="0">
+                          <a:latin typeface="Cambria Math" panose="02040503050406030204" pitchFamily="18" charset="0"/>
+                        </a:rPr>
+                        <m:t>(</m:t>
+                      </m:r>
+                      <m:r>
+                        <a:rPr lang="en-US" altLang="zh-CN" b="0" i="1" smtClean="0">
+                          <a:latin typeface="Cambria Math" panose="02040503050406030204" pitchFamily="18" charset="0"/>
+                        </a:rPr>
+                        <m:t>15</m:t>
+                      </m:r>
+                      <m:r>
+                        <a:rPr lang="en-US" altLang="zh-CN">
+                          <a:latin typeface="Cambria Math" panose="02040503050406030204" pitchFamily="18" charset="0"/>
+                        </a:rPr>
+                        <m:t>,</m:t>
+                      </m:r>
+                      <m:r>
+                        <a:rPr lang="en-US" altLang="zh-CN" b="0" i="0" smtClean="0">
+                          <a:latin typeface="Cambria Math" panose="02040503050406030204" pitchFamily="18" charset="0"/>
+                        </a:rPr>
+                        <m:t>20</m:t>
+                      </m:r>
+                      <m:r>
+                        <a:rPr lang="en-US" altLang="zh-CN">
+                          <a:latin typeface="Cambria Math" panose="02040503050406030204" pitchFamily="18" charset="0"/>
+                        </a:rPr>
+                        <m:t>)</m:t>
+                      </m:r>
+                    </m:oMath>
+                  </m:oMathPara>
+                </a14:m>
+                <a:endParaRPr lang="zh-CN" altLang="en-US" dirty="0"/>
+              </a:p>
+            </p:txBody>
+          </p:sp>
+        </mc:Choice>
+        <mc:Fallback xmlns="">
+          <p:sp>
+            <p:nvSpPr>
+              <p:cNvPr id="34" name="矩形 33">
+                <a:extLst>
+                  <a:ext uri="{FF2B5EF4-FFF2-40B4-BE49-F238E27FC236}">
+                    <a16:creationId xmlns:a16="http://schemas.microsoft.com/office/drawing/2014/main" id="{844DA19D-4284-4F11-93D1-0B419965449E}"/>
+                  </a:ext>
+                </a:extLst>
+              </p:cNvPr>
+              <p:cNvSpPr>
+                <a:spLocks noRot="1" noChangeAspect="1" noMove="1" noResize="1" noEditPoints="1" noAdjustHandles="1" noChangeArrowheads="1" noChangeShapeType="1" noTextEdit="1"/>
+              </p:cNvSpPr>
+              <p:nvPr/>
+            </p:nvSpPr>
+            <p:spPr>
+              <a:xfrm>
+                <a:off x="6324234" y="1913878"/>
+                <a:ext cx="1000595" cy="369332"/>
+              </a:xfrm>
+              <a:prstGeom prst="rect">
+                <a:avLst/>
+              </a:prstGeom>
+              <a:blipFill>
+                <a:blip r:embed="rId6"/>
+                <a:stretch>
+                  <a:fillRect b="-11475"/>
+                </a:stretch>
+              </a:blipFill>
+            </p:spPr>
+            <p:txBody>
+              <a:bodyPr/>
+              <a:lstStyle/>
+              <a:p>
+                <a:r>
+                  <a:rPr lang="zh-CN" altLang="en-US">
+                    <a:noFill/>
+                  </a:rPr>
+                  <a:t> </a:t>
+                </a:r>
+              </a:p>
+            </p:txBody>
+          </p:sp>
+        </mc:Fallback>
+      </mc:AlternateContent>
+      <mc:AlternateContent xmlns:mc="http://schemas.openxmlformats.org/markup-compatibility/2006" xmlns:a14="http://schemas.microsoft.com/office/drawing/2010/main">
+        <mc:Choice Requires="a14">
+          <p:sp>
+            <p:nvSpPr>
+              <p:cNvPr id="35" name="矩形 34">
+                <a:extLst>
+                  <a:ext uri="{FF2B5EF4-FFF2-40B4-BE49-F238E27FC236}">
+                    <a16:creationId xmlns:a16="http://schemas.microsoft.com/office/drawing/2014/main" id="{2235CC0F-E2E9-4EF9-827B-2E3463E84177}"/>
+                  </a:ext>
+                </a:extLst>
+              </p:cNvPr>
+              <p:cNvSpPr/>
+              <p:nvPr/>
+            </p:nvSpPr>
+            <p:spPr>
+              <a:xfrm>
+                <a:off x="7235675" y="1913877"/>
+                <a:ext cx="1000595" cy="369332"/>
+              </a:xfrm>
+              <a:prstGeom prst="rect">
+                <a:avLst/>
+              </a:prstGeom>
+            </p:spPr>
+            <p:txBody>
+              <a:bodyPr wrap="none">
+                <a:spAutoFit/>
+              </a:bodyPr>
+              <a:lstStyle/>
+              <a:p>
+                <a:pPr/>
+                <a14:m>
+                  <m:oMathPara xmlns:m="http://schemas.openxmlformats.org/officeDocument/2006/math">
+                    <m:oMathParaPr>
+                      <m:jc m:val="centerGroup"/>
+                    </m:oMathParaPr>
+                    <m:oMath xmlns:m="http://schemas.openxmlformats.org/officeDocument/2006/math">
+                      <m:r>
+                        <a:rPr lang="en-US" altLang="zh-CN" i="1" smtClean="0">
+                          <a:latin typeface="Cambria Math" panose="02040503050406030204" pitchFamily="18" charset="0"/>
+                        </a:rPr>
+                        <m:t>(</m:t>
+                      </m:r>
+                      <m:r>
+                        <a:rPr lang="en-US" altLang="zh-CN" b="0" i="1" smtClean="0">
+                          <a:latin typeface="Cambria Math" panose="02040503050406030204" pitchFamily="18" charset="0"/>
+                        </a:rPr>
+                        <m:t>20</m:t>
+                      </m:r>
+                      <m:r>
+                        <a:rPr lang="en-US" altLang="zh-CN">
+                          <a:latin typeface="Cambria Math" panose="02040503050406030204" pitchFamily="18" charset="0"/>
+                        </a:rPr>
+                        <m:t>,2</m:t>
+                      </m:r>
+                      <m:r>
+                        <a:rPr lang="en-US" altLang="zh-CN" b="0" i="0" smtClean="0">
+                          <a:latin typeface="Cambria Math" panose="02040503050406030204" pitchFamily="18" charset="0"/>
+                        </a:rPr>
+                        <m:t>5</m:t>
+                      </m:r>
+                      <m:r>
+                        <a:rPr lang="en-US" altLang="zh-CN">
+                          <a:latin typeface="Cambria Math" panose="02040503050406030204" pitchFamily="18" charset="0"/>
+                        </a:rPr>
+                        <m:t>)</m:t>
+                      </m:r>
+                    </m:oMath>
+                  </m:oMathPara>
+                </a14:m>
+                <a:endParaRPr lang="zh-CN" altLang="en-US" dirty="0"/>
+              </a:p>
+            </p:txBody>
+          </p:sp>
+        </mc:Choice>
+        <mc:Fallback xmlns="">
+          <p:sp>
+            <p:nvSpPr>
+              <p:cNvPr id="35" name="矩形 34">
+                <a:extLst>
+                  <a:ext uri="{FF2B5EF4-FFF2-40B4-BE49-F238E27FC236}">
+                    <a16:creationId xmlns:a16="http://schemas.microsoft.com/office/drawing/2014/main" id="{2235CC0F-E2E9-4EF9-827B-2E3463E84177}"/>
+                  </a:ext>
+                </a:extLst>
+              </p:cNvPr>
+              <p:cNvSpPr>
+                <a:spLocks noRot="1" noChangeAspect="1" noMove="1" noResize="1" noEditPoints="1" noAdjustHandles="1" noChangeArrowheads="1" noChangeShapeType="1" noTextEdit="1"/>
+              </p:cNvSpPr>
+              <p:nvPr/>
+            </p:nvSpPr>
+            <p:spPr>
+              <a:xfrm>
+                <a:off x="7235675" y="1913877"/>
+                <a:ext cx="1000595" cy="369332"/>
+              </a:xfrm>
+              <a:prstGeom prst="rect">
+                <a:avLst/>
+              </a:prstGeom>
+              <a:blipFill>
+                <a:blip r:embed="rId7"/>
+                <a:stretch>
+                  <a:fillRect b="-11475"/>
+                </a:stretch>
+              </a:blipFill>
+            </p:spPr>
+            <p:txBody>
+              <a:bodyPr/>
+              <a:lstStyle/>
+              <a:p>
+                <a:r>
+                  <a:rPr lang="zh-CN" altLang="en-US">
+                    <a:noFill/>
+                  </a:rPr>
+                  <a:t> </a:t>
+                </a:r>
+              </a:p>
+            </p:txBody>
+          </p:sp>
+        </mc:Fallback>
+      </mc:AlternateContent>
+      <mc:AlternateContent xmlns:mc="http://schemas.openxmlformats.org/markup-compatibility/2006" xmlns:a14="http://schemas.microsoft.com/office/drawing/2010/main">
+        <mc:Choice Requires="a14">
+          <p:sp>
+            <p:nvSpPr>
+              <p:cNvPr id="36" name="矩形 35">
+                <a:extLst>
+                  <a:ext uri="{FF2B5EF4-FFF2-40B4-BE49-F238E27FC236}">
+                    <a16:creationId xmlns:a16="http://schemas.microsoft.com/office/drawing/2014/main" id="{48F2BED8-31AE-4ADE-9807-68DD68C1C78E}"/>
+                  </a:ext>
+                </a:extLst>
+              </p:cNvPr>
+              <p:cNvSpPr/>
+              <p:nvPr/>
+            </p:nvSpPr>
+            <p:spPr>
+              <a:xfrm>
+                <a:off x="8190014" y="1913876"/>
+                <a:ext cx="1151277" cy="369332"/>
+              </a:xfrm>
+              <a:prstGeom prst="rect">
+                <a:avLst/>
+              </a:prstGeom>
+            </p:spPr>
+            <p:txBody>
+              <a:bodyPr wrap="none">
+                <a:spAutoFit/>
+              </a:bodyPr>
+              <a:lstStyle/>
+              <a:p>
+                <a:pPr/>
+                <a14:m>
+                  <m:oMathPara xmlns:m="http://schemas.openxmlformats.org/officeDocument/2006/math">
+                    <m:oMathParaPr>
+                      <m:jc m:val="centerGroup"/>
+                    </m:oMathParaPr>
+                    <m:oMath xmlns:m="http://schemas.openxmlformats.org/officeDocument/2006/math">
+                      <m:r>
+                        <a:rPr lang="en-US" altLang="zh-CN" i="1" smtClean="0">
+                          <a:latin typeface="Cambria Math" panose="02040503050406030204" pitchFamily="18" charset="0"/>
+                        </a:rPr>
+                        <m:t>(</m:t>
+                      </m:r>
+                      <m:r>
+                        <a:rPr lang="en-US" altLang="zh-CN" b="0" i="1" smtClean="0">
+                          <a:latin typeface="Cambria Math" panose="02040503050406030204" pitchFamily="18" charset="0"/>
+                        </a:rPr>
+                        <m:t>25</m:t>
+                      </m:r>
+                      <m:r>
+                        <a:rPr lang="en-US" altLang="zh-CN">
+                          <a:latin typeface="Cambria Math" panose="02040503050406030204" pitchFamily="18" charset="0"/>
+                        </a:rPr>
+                        <m:t>,</m:t>
+                      </m:r>
+                      <m:r>
+                        <a:rPr lang="en-US" altLang="zh-CN" smtClean="0">
+                          <a:latin typeface="Cambria Math" panose="02040503050406030204" pitchFamily="18" charset="0"/>
+                        </a:rPr>
+                        <m:t>+</m:t>
+                      </m:r>
+                      <m:r>
+                        <a:rPr lang="en-US" altLang="zh-CN" i="0">
+                          <a:latin typeface="Cambria Math" panose="02040503050406030204" pitchFamily="18" charset="0"/>
+                        </a:rPr>
+                        <m:t>∞</m:t>
+                      </m:r>
+                      <m:r>
+                        <a:rPr lang="en-US" altLang="zh-CN">
+                          <a:latin typeface="Cambria Math" panose="02040503050406030204" pitchFamily="18" charset="0"/>
+                        </a:rPr>
+                        <m:t>)</m:t>
+                      </m:r>
+                    </m:oMath>
+                  </m:oMathPara>
+                </a14:m>
+                <a:endParaRPr lang="zh-CN" altLang="en-US" dirty="0"/>
+              </a:p>
+            </p:txBody>
+          </p:sp>
+        </mc:Choice>
+        <mc:Fallback xmlns="">
+          <p:sp>
+            <p:nvSpPr>
+              <p:cNvPr id="36" name="矩形 35">
+                <a:extLst>
+                  <a:ext uri="{FF2B5EF4-FFF2-40B4-BE49-F238E27FC236}">
+                    <a16:creationId xmlns:a16="http://schemas.microsoft.com/office/drawing/2014/main" id="{48F2BED8-31AE-4ADE-9807-68DD68C1C78E}"/>
+                  </a:ext>
+                </a:extLst>
+              </p:cNvPr>
+              <p:cNvSpPr>
+                <a:spLocks noRot="1" noChangeAspect="1" noMove="1" noResize="1" noEditPoints="1" noAdjustHandles="1" noChangeArrowheads="1" noChangeShapeType="1" noTextEdit="1"/>
+              </p:cNvSpPr>
+              <p:nvPr/>
+            </p:nvSpPr>
+            <p:spPr>
+              <a:xfrm>
+                <a:off x="8190014" y="1913876"/>
+                <a:ext cx="1151277" cy="369332"/>
+              </a:xfrm>
+              <a:prstGeom prst="rect">
+                <a:avLst/>
+              </a:prstGeom>
+              <a:blipFill>
+                <a:blip r:embed="rId8"/>
+                <a:stretch>
+                  <a:fillRect b="-11475"/>
+                </a:stretch>
+              </a:blipFill>
+            </p:spPr>
+            <p:txBody>
+              <a:bodyPr/>
+              <a:lstStyle/>
+              <a:p>
+                <a:r>
+                  <a:rPr lang="zh-CN" altLang="en-US">
+                    <a:noFill/>
+                  </a:rPr>
+                  <a:t> </a:t>
+                </a:r>
+              </a:p>
+            </p:txBody>
+          </p:sp>
+        </mc:Fallback>
+      </mc:AlternateContent>
+    </p:spTree>
+    <p:extLst>
+      <p:ext uri="{BB962C8B-B14F-4D97-AF65-F5344CB8AC3E}">
+        <p14:creationId xmlns:p14="http://schemas.microsoft.com/office/powerpoint/2010/main" val="1821306622"/>
+      </p:ext>
+    </p:extLst>
+  </p:cSld>
+  <p:clrMapOvr>
+    <a:masterClrMapping/>
+  </p:clrMapOvr>
+</p:sld>
+</file>
+
+<file path=ppt/slides/slide2.xml><?xml version="1.0" encoding="utf-8"?>
+<p:sld xmlns:a="http://schemas.openxmlformats.org/drawingml/2006/main" xmlns:r="http://schemas.openxmlformats.org/officeDocument/2006/relationships" xmlns:p="http://schemas.openxmlformats.org/presentationml/2006/main">
+  <p:cSld>
+    <p:spTree>
+      <p:nvGrpSpPr>
+        <p:cNvPr id="1" name=""/>
+        <p:cNvGrpSpPr/>
+        <p:nvPr/>
+      </p:nvGrpSpPr>
+      <p:grpSpPr>
+        <a:xfrm>
+          <a:off x="0" y="0"/>
+          <a:ext cx="0" cy="0"/>
+          <a:chOff x="0" y="0"/>
+          <a:chExt cx="0" cy="0"/>
+        </a:xfrm>
+      </p:grpSpPr>
+      <p:sp>
+        <p:nvSpPr>
+          <p:cNvPr id="4" name="椭圆 3">
+            <a:extLst>
+              <a:ext uri="{FF2B5EF4-FFF2-40B4-BE49-F238E27FC236}">
+                <a16:creationId xmlns:a16="http://schemas.microsoft.com/office/drawing/2014/main" id="{11FBE9E8-4780-4DF4-BD2B-1A7E446428C2}"/>
+              </a:ext>
+            </a:extLst>
+          </p:cNvPr>
+          <p:cNvSpPr/>
+          <p:nvPr/>
+        </p:nvSpPr>
+        <p:spPr>
+          <a:xfrm>
+            <a:off x="1376035" y="2782595"/>
+            <a:ext cx="1260630" cy="561513"/>
+          </a:xfrm>
+          <a:prstGeom prst="ellipse">
+            <a:avLst/>
+          </a:prstGeom>
+          <a:ln>
+            <a:solidFill>
+              <a:schemeClr val="tx1"/>
+            </a:solidFill>
+          </a:ln>
+        </p:spPr>
+        <p:style>
+          <a:lnRef idx="2">
+            <a:schemeClr val="accent1">
+              <a:shade val="50000"/>
+            </a:schemeClr>
+          </a:lnRef>
+          <a:fillRef idx="1">
+            <a:schemeClr val="accent1"/>
+          </a:fillRef>
+          <a:effectRef idx="0">
+            <a:schemeClr val="accent1"/>
+          </a:effectRef>
+          <a:fontRef idx="minor">
+            <a:schemeClr val="lt1"/>
+          </a:fontRef>
+        </p:style>
+        <p:txBody>
+          <a:bodyPr rtlCol="0" anchor="ctr"/>
+          <a:lstStyle/>
+          <a:p>
+            <a:pPr algn="ctr"/>
+            <a:r>
+              <a:rPr lang="en-US" altLang="zh-CN" dirty="0">
+                <a:solidFill>
+                  <a:schemeClr val="tx1"/>
+                </a:solidFill>
+                <a:latin typeface="Courier New" panose="02070309020205020404" pitchFamily="49" charset="0"/>
+                <a:cs typeface="Courier New" panose="02070309020205020404" pitchFamily="49" charset="0"/>
+              </a:rPr>
+              <a:t>MySQL  A</a:t>
+            </a:r>
+            <a:endParaRPr lang="zh-CN" altLang="en-US" dirty="0">
+              <a:solidFill>
+                <a:schemeClr val="tx1"/>
+              </a:solidFill>
+              <a:latin typeface="Courier New" panose="02070309020205020404" pitchFamily="49" charset="0"/>
+              <a:cs typeface="Courier New" panose="02070309020205020404" pitchFamily="49" charset="0"/>
+            </a:endParaRPr>
+          </a:p>
+        </p:txBody>
+      </p:sp>
+      <p:sp>
+        <p:nvSpPr>
+          <p:cNvPr id="5" name="椭圆 4">
+            <a:extLst>
+              <a:ext uri="{FF2B5EF4-FFF2-40B4-BE49-F238E27FC236}">
+                <a16:creationId xmlns:a16="http://schemas.microsoft.com/office/drawing/2014/main" id="{69385800-B54C-4997-8EA3-09B497629690}"/>
+              </a:ext>
+            </a:extLst>
+          </p:cNvPr>
+          <p:cNvSpPr/>
+          <p:nvPr/>
+        </p:nvSpPr>
+        <p:spPr>
+          <a:xfrm>
+            <a:off x="3928471" y="2683691"/>
+            <a:ext cx="1260631" cy="561513"/>
+          </a:xfrm>
+          <a:prstGeom prst="ellipse">
+            <a:avLst/>
+          </a:prstGeom>
+          <a:ln>
+            <a:solidFill>
+              <a:schemeClr val="tx1"/>
+            </a:solidFill>
+          </a:ln>
+        </p:spPr>
+        <p:style>
+          <a:lnRef idx="1">
+            <a:schemeClr val="accent1"/>
+          </a:lnRef>
+          <a:fillRef idx="2">
+            <a:schemeClr val="accent1"/>
+          </a:fillRef>
+          <a:effectRef idx="1">
+            <a:schemeClr val="accent1"/>
+          </a:effectRef>
+          <a:fontRef idx="minor">
+            <a:schemeClr val="dk1"/>
+          </a:fontRef>
+        </p:style>
+        <p:txBody>
+          <a:bodyPr rtlCol="0" anchor="ctr"/>
+          <a:lstStyle/>
+          <a:p>
+            <a:pPr algn="ctr"/>
+            <a:r>
+              <a:rPr lang="en-US" altLang="zh-CN" dirty="0">
+                <a:latin typeface="Courier New" panose="02070309020205020404" pitchFamily="49" charset="0"/>
+                <a:cs typeface="Courier New" panose="02070309020205020404" pitchFamily="49" charset="0"/>
+              </a:rPr>
+              <a:t>MySQL</a:t>
+            </a:r>
+            <a:r>
+              <a:rPr lang="en-US" altLang="zh-CN" dirty="0"/>
+              <a:t>  </a:t>
+            </a:r>
+            <a:r>
+              <a:rPr lang="en-US" altLang="zh-CN" dirty="0">
+                <a:latin typeface="Courier New" panose="02070309020205020404" pitchFamily="49" charset="0"/>
+                <a:cs typeface="Courier New" panose="02070309020205020404" pitchFamily="49" charset="0"/>
+              </a:rPr>
+              <a:t>B</a:t>
+            </a:r>
+            <a:endParaRPr lang="zh-CN" altLang="en-US" dirty="0">
+              <a:latin typeface="Courier New" panose="02070309020205020404" pitchFamily="49" charset="0"/>
+              <a:cs typeface="Courier New" panose="02070309020205020404" pitchFamily="49" charset="0"/>
+            </a:endParaRPr>
+          </a:p>
+        </p:txBody>
+      </p:sp>
+      <p:cxnSp>
+        <p:nvCxnSpPr>
+          <p:cNvPr id="7" name="直接箭头连接符 6">
+            <a:extLst>
+              <a:ext uri="{FF2B5EF4-FFF2-40B4-BE49-F238E27FC236}">
+                <a16:creationId xmlns:a16="http://schemas.microsoft.com/office/drawing/2014/main" id="{4E828129-436F-4111-88B4-B692BB441607}"/>
+              </a:ext>
+            </a:extLst>
+          </p:cNvPr>
+          <p:cNvCxnSpPr>
+            <a:cxnSpLocks/>
+          </p:cNvCxnSpPr>
+          <p:nvPr/>
+        </p:nvCxnSpPr>
+        <p:spPr>
+          <a:xfrm>
+            <a:off x="2596717" y="2964448"/>
+            <a:ext cx="1318335" cy="0"/>
+          </a:xfrm>
+          <a:prstGeom prst="straightConnector1">
+            <a:avLst/>
+          </a:prstGeom>
+          <a:ln>
+            <a:tailEnd type="triangle"/>
+          </a:ln>
+        </p:spPr>
+        <p:style>
+          <a:lnRef idx="3">
+            <a:schemeClr val="dk1"/>
+          </a:lnRef>
+          <a:fillRef idx="0">
+            <a:schemeClr val="dk1"/>
+          </a:fillRef>
+          <a:effectRef idx="2">
+            <a:schemeClr val="dk1"/>
+          </a:effectRef>
+          <a:fontRef idx="minor">
+            <a:schemeClr val="tx1"/>
+          </a:fontRef>
+        </p:style>
+      </p:cxnSp>
+      <p:cxnSp>
+        <p:nvCxnSpPr>
+          <p:cNvPr id="10" name="直接箭头连接符 9">
+            <a:extLst>
+              <a:ext uri="{FF2B5EF4-FFF2-40B4-BE49-F238E27FC236}">
+                <a16:creationId xmlns:a16="http://schemas.microsoft.com/office/drawing/2014/main" id="{6AF40B2D-D68B-46C6-9E9F-C261B0324660}"/>
+              </a:ext>
+            </a:extLst>
+          </p:cNvPr>
+          <p:cNvCxnSpPr>
+            <a:cxnSpLocks/>
+            <a:stCxn id="13" idx="3"/>
+          </p:cNvCxnSpPr>
+          <p:nvPr/>
+        </p:nvCxnSpPr>
+        <p:spPr>
+          <a:xfrm flipH="1">
+            <a:off x="2189800" y="1994068"/>
+            <a:ext cx="615584" cy="788527"/>
+          </a:xfrm>
+          <a:prstGeom prst="straightConnector1">
+            <a:avLst/>
+          </a:prstGeom>
+          <a:ln>
+            <a:tailEnd type="triangle"/>
+          </a:ln>
+        </p:spPr>
+        <p:style>
+          <a:lnRef idx="3">
+            <a:schemeClr val="accent2"/>
+          </a:lnRef>
+          <a:fillRef idx="0">
+            <a:schemeClr val="accent2"/>
+          </a:fillRef>
+          <a:effectRef idx="2">
+            <a:schemeClr val="accent2"/>
+          </a:effectRef>
+          <a:fontRef idx="minor">
+            <a:schemeClr val="tx1"/>
+          </a:fontRef>
+        </p:style>
+      </p:cxnSp>
+      <p:sp>
+        <p:nvSpPr>
+          <p:cNvPr id="13" name="椭圆 12">
+            <a:extLst>
+              <a:ext uri="{FF2B5EF4-FFF2-40B4-BE49-F238E27FC236}">
+                <a16:creationId xmlns:a16="http://schemas.microsoft.com/office/drawing/2014/main" id="{6D0F4D89-461A-4606-AE72-2B6BDE177EA4}"/>
+              </a:ext>
+            </a:extLst>
+          </p:cNvPr>
+          <p:cNvSpPr/>
+          <p:nvPr/>
+        </p:nvSpPr>
+        <p:spPr>
+          <a:xfrm>
+            <a:off x="2596717" y="1553623"/>
+            <a:ext cx="1424866" cy="516014"/>
+          </a:xfrm>
+          <a:prstGeom prst="ellipse">
+            <a:avLst/>
+          </a:prstGeom>
+          <a:ln>
+            <a:solidFill>
+              <a:schemeClr val="tx1"/>
+            </a:solidFill>
+          </a:ln>
+        </p:spPr>
+        <p:style>
+          <a:lnRef idx="2">
+            <a:schemeClr val="accent2">
+              <a:shade val="50000"/>
+            </a:schemeClr>
+          </a:lnRef>
+          <a:fillRef idx="1">
+            <a:schemeClr val="accent2"/>
+          </a:fillRef>
+          <a:effectRef idx="0">
+            <a:schemeClr val="accent2"/>
+          </a:effectRef>
+          <a:fontRef idx="minor">
+            <a:schemeClr val="lt1"/>
+          </a:fontRef>
+        </p:style>
+        <p:txBody>
+          <a:bodyPr rtlCol="0" anchor="ctr"/>
+          <a:lstStyle/>
+          <a:p>
+            <a:pPr algn="ctr"/>
+            <a:r>
+              <a:rPr lang="en-US" altLang="zh-CN" dirty="0">
+                <a:solidFill>
+                  <a:schemeClr val="tx1"/>
+                </a:solidFill>
+                <a:latin typeface="Courier New" panose="02070309020205020404" pitchFamily="49" charset="0"/>
+                <a:cs typeface="Courier New" panose="02070309020205020404" pitchFamily="49" charset="0"/>
+              </a:rPr>
+              <a:t>client</a:t>
+            </a:r>
+            <a:endParaRPr lang="zh-CN" altLang="en-US" dirty="0">
+              <a:solidFill>
+                <a:schemeClr val="tx1"/>
+              </a:solidFill>
+              <a:latin typeface="Courier New" panose="02070309020205020404" pitchFamily="49" charset="0"/>
+              <a:cs typeface="Courier New" panose="02070309020205020404" pitchFamily="49" charset="0"/>
+            </a:endParaRPr>
+          </a:p>
+        </p:txBody>
+      </p:sp>
+      <p:sp>
+        <p:nvSpPr>
+          <p:cNvPr id="18" name="文本框 17">
+            <a:extLst>
+              <a:ext uri="{FF2B5EF4-FFF2-40B4-BE49-F238E27FC236}">
+                <a16:creationId xmlns:a16="http://schemas.microsoft.com/office/drawing/2014/main" id="{BADECDF3-2872-4DEC-9F44-D6DE18EF6258}"/>
+              </a:ext>
+            </a:extLst>
+          </p:cNvPr>
+          <p:cNvSpPr txBox="1"/>
+          <p:nvPr/>
+        </p:nvSpPr>
+        <p:spPr>
+          <a:xfrm>
+            <a:off x="3953625" y="3159442"/>
+            <a:ext cx="1352370" cy="369332"/>
+          </a:xfrm>
+          <a:prstGeom prst="rect">
+            <a:avLst/>
+          </a:prstGeom>
+          <a:noFill/>
+        </p:spPr>
+        <p:txBody>
+          <a:bodyPr wrap="square" rtlCol="0">
+            <a:spAutoFit/>
+          </a:bodyPr>
+          <a:lstStyle/>
+          <a:p>
+            <a:r>
+              <a:rPr lang="en-US" altLang="zh-CN" dirty="0" err="1">
+                <a:solidFill>
+                  <a:srgbClr val="FF0000"/>
+                </a:solidFill>
+                <a:latin typeface="Courier New" panose="02070309020205020404" pitchFamily="49" charset="0"/>
+                <a:cs typeface="Courier New" panose="02070309020205020404" pitchFamily="49" charset="0"/>
+              </a:rPr>
+              <a:t>Readonly</a:t>
+            </a:r>
+            <a:endParaRPr lang="zh-CN" altLang="en-US" dirty="0">
+              <a:solidFill>
+                <a:srgbClr val="FF0000"/>
+              </a:solidFill>
+              <a:latin typeface="Courier New" panose="02070309020205020404" pitchFamily="49" charset="0"/>
+              <a:cs typeface="Courier New" panose="02070309020205020404" pitchFamily="49" charset="0"/>
+            </a:endParaRPr>
+          </a:p>
+        </p:txBody>
+      </p:sp>
+      <p:sp>
+        <p:nvSpPr>
+          <p:cNvPr id="19" name="椭圆 18">
+            <a:extLst>
+              <a:ext uri="{FF2B5EF4-FFF2-40B4-BE49-F238E27FC236}">
+                <a16:creationId xmlns:a16="http://schemas.microsoft.com/office/drawing/2014/main" id="{8CEFBC02-96A4-4BA6-9B1E-BF6BE306C56A}"/>
+              </a:ext>
+            </a:extLst>
+          </p:cNvPr>
+          <p:cNvSpPr/>
+          <p:nvPr/>
+        </p:nvSpPr>
+        <p:spPr>
+          <a:xfrm>
+            <a:off x="1233996" y="1473693"/>
+            <a:ext cx="4145872" cy="2698812"/>
+          </a:xfrm>
+          <a:prstGeom prst="ellipse">
+            <a:avLst/>
+          </a:prstGeom>
+          <a:noFill/>
+          <a:ln>
+            <a:prstDash val="lgDash"/>
+          </a:ln>
+        </p:spPr>
+        <p:style>
+          <a:lnRef idx="2">
+            <a:schemeClr val="accent1">
+              <a:shade val="50000"/>
+            </a:schemeClr>
+          </a:lnRef>
+          <a:fillRef idx="1">
+            <a:schemeClr val="accent1"/>
+          </a:fillRef>
+          <a:effectRef idx="0">
+            <a:schemeClr val="accent1"/>
+          </a:effectRef>
+          <a:fontRef idx="minor">
+            <a:schemeClr val="lt1"/>
+          </a:fontRef>
+        </p:style>
+        <p:txBody>
+          <a:bodyPr rtlCol="0" anchor="ctr"/>
+          <a:lstStyle/>
+          <a:p>
+            <a:pPr algn="ctr"/>
+            <a:endParaRPr lang="zh-CN" altLang="en-US"/>
+          </a:p>
+        </p:txBody>
+      </p:sp>
+      <p:sp>
+        <p:nvSpPr>
+          <p:cNvPr id="30" name="椭圆 29">
+            <a:extLst>
+              <a:ext uri="{FF2B5EF4-FFF2-40B4-BE49-F238E27FC236}">
+                <a16:creationId xmlns:a16="http://schemas.microsoft.com/office/drawing/2014/main" id="{11838FB1-1CEA-43AE-8B8B-6051F687B965}"/>
+              </a:ext>
+            </a:extLst>
+          </p:cNvPr>
+          <p:cNvSpPr/>
+          <p:nvPr/>
+        </p:nvSpPr>
+        <p:spPr>
+          <a:xfrm>
+            <a:off x="6389074" y="2672230"/>
+            <a:ext cx="1260630" cy="561513"/>
+          </a:xfrm>
+          <a:prstGeom prst="ellipse">
+            <a:avLst/>
+          </a:prstGeom>
+          <a:ln>
+            <a:solidFill>
+              <a:schemeClr val="tx1"/>
+            </a:solidFill>
+          </a:ln>
+        </p:spPr>
+        <p:style>
+          <a:lnRef idx="2">
+            <a:schemeClr val="accent1">
+              <a:shade val="50000"/>
+            </a:schemeClr>
+          </a:lnRef>
+          <a:fillRef idx="1">
+            <a:schemeClr val="accent1"/>
+          </a:fillRef>
+          <a:effectRef idx="0">
+            <a:schemeClr val="accent1"/>
+          </a:effectRef>
+          <a:fontRef idx="minor">
+            <a:schemeClr val="lt1"/>
+          </a:fontRef>
+        </p:style>
+        <p:txBody>
+          <a:bodyPr rtlCol="0" anchor="ctr"/>
+          <a:lstStyle/>
+          <a:p>
+            <a:pPr algn="ctr"/>
+            <a:r>
+              <a:rPr lang="en-US" altLang="zh-CN" dirty="0">
+                <a:solidFill>
+                  <a:schemeClr val="tx1"/>
+                </a:solidFill>
+                <a:latin typeface="Courier New" panose="02070309020205020404" pitchFamily="49" charset="0"/>
+                <a:cs typeface="Courier New" panose="02070309020205020404" pitchFamily="49" charset="0"/>
+              </a:rPr>
+              <a:t>MySQL  A</a:t>
+            </a:r>
+            <a:endParaRPr lang="zh-CN" altLang="en-US" dirty="0">
+              <a:solidFill>
+                <a:schemeClr val="tx1"/>
+              </a:solidFill>
+              <a:latin typeface="Courier New" panose="02070309020205020404" pitchFamily="49" charset="0"/>
+              <a:cs typeface="Courier New" panose="02070309020205020404" pitchFamily="49" charset="0"/>
+            </a:endParaRPr>
+          </a:p>
+        </p:txBody>
+      </p:sp>
+      <p:sp>
+        <p:nvSpPr>
+          <p:cNvPr id="31" name="椭圆 30">
+            <a:extLst>
+              <a:ext uri="{FF2B5EF4-FFF2-40B4-BE49-F238E27FC236}">
+                <a16:creationId xmlns:a16="http://schemas.microsoft.com/office/drawing/2014/main" id="{C9BA5836-C855-4859-9B2D-7B468E04695E}"/>
+              </a:ext>
+            </a:extLst>
+          </p:cNvPr>
+          <p:cNvSpPr/>
+          <p:nvPr/>
+        </p:nvSpPr>
+        <p:spPr>
+          <a:xfrm>
+            <a:off x="8964967" y="2650129"/>
+            <a:ext cx="1260631" cy="561513"/>
+          </a:xfrm>
+          <a:prstGeom prst="ellipse">
+            <a:avLst/>
+          </a:prstGeom>
+          <a:ln>
+            <a:solidFill>
+              <a:schemeClr val="tx1"/>
+            </a:solidFill>
+          </a:ln>
+        </p:spPr>
+        <p:style>
+          <a:lnRef idx="1">
+            <a:schemeClr val="accent1"/>
+          </a:lnRef>
+          <a:fillRef idx="2">
+            <a:schemeClr val="accent1"/>
+          </a:fillRef>
+          <a:effectRef idx="1">
+            <a:schemeClr val="accent1"/>
+          </a:effectRef>
+          <a:fontRef idx="minor">
+            <a:schemeClr val="dk1"/>
+          </a:fontRef>
+        </p:style>
+        <p:txBody>
+          <a:bodyPr rtlCol="0" anchor="ctr"/>
+          <a:lstStyle/>
+          <a:p>
+            <a:pPr algn="ctr"/>
+            <a:r>
+              <a:rPr lang="en-US" altLang="zh-CN" dirty="0">
+                <a:latin typeface="Courier New" panose="02070309020205020404" pitchFamily="49" charset="0"/>
+                <a:cs typeface="Courier New" panose="02070309020205020404" pitchFamily="49" charset="0"/>
+              </a:rPr>
+              <a:t>MySQL</a:t>
+            </a:r>
+            <a:r>
+              <a:rPr lang="en-US" altLang="zh-CN" dirty="0"/>
+              <a:t>  </a:t>
+            </a:r>
+            <a:r>
+              <a:rPr lang="en-US" altLang="zh-CN" dirty="0">
+                <a:latin typeface="Courier New" panose="02070309020205020404" pitchFamily="49" charset="0"/>
+                <a:cs typeface="Courier New" panose="02070309020205020404" pitchFamily="49" charset="0"/>
+              </a:rPr>
+              <a:t>B</a:t>
+            </a:r>
+            <a:endParaRPr lang="zh-CN" altLang="en-US" dirty="0">
+              <a:latin typeface="Courier New" panose="02070309020205020404" pitchFamily="49" charset="0"/>
+              <a:cs typeface="Courier New" panose="02070309020205020404" pitchFamily="49" charset="0"/>
+            </a:endParaRPr>
+          </a:p>
+        </p:txBody>
+      </p:sp>
+      <p:cxnSp>
+        <p:nvCxnSpPr>
+          <p:cNvPr id="32" name="直接箭头连接符 31">
+            <a:extLst>
+              <a:ext uri="{FF2B5EF4-FFF2-40B4-BE49-F238E27FC236}">
+                <a16:creationId xmlns:a16="http://schemas.microsoft.com/office/drawing/2014/main" id="{F746B269-F8ED-4BE1-9D00-B6B41157AC87}"/>
+              </a:ext>
+            </a:extLst>
+          </p:cNvPr>
+          <p:cNvCxnSpPr>
+            <a:cxnSpLocks/>
+          </p:cNvCxnSpPr>
+          <p:nvPr/>
+        </p:nvCxnSpPr>
+        <p:spPr>
+          <a:xfrm>
+            <a:off x="7649704" y="2930886"/>
+            <a:ext cx="1318335" cy="0"/>
+          </a:xfrm>
+          <a:prstGeom prst="straightConnector1">
+            <a:avLst/>
+          </a:prstGeom>
+          <a:ln>
+            <a:tailEnd type="triangle"/>
+          </a:ln>
+        </p:spPr>
+        <p:style>
+          <a:lnRef idx="3">
+            <a:schemeClr val="dk1"/>
+          </a:lnRef>
+          <a:fillRef idx="0">
+            <a:schemeClr val="dk1"/>
+          </a:fillRef>
+          <a:effectRef idx="2">
+            <a:schemeClr val="dk1"/>
+          </a:effectRef>
+          <a:fontRef idx="minor">
+            <a:schemeClr val="tx1"/>
+          </a:fontRef>
+        </p:style>
+      </p:cxnSp>
+      <p:cxnSp>
+        <p:nvCxnSpPr>
+          <p:cNvPr id="33" name="直接箭头连接符 32">
+            <a:extLst>
+              <a:ext uri="{FF2B5EF4-FFF2-40B4-BE49-F238E27FC236}">
+                <a16:creationId xmlns:a16="http://schemas.microsoft.com/office/drawing/2014/main" id="{580B1F97-2808-4049-A84D-04005029923F}"/>
+              </a:ext>
+            </a:extLst>
+          </p:cNvPr>
+          <p:cNvCxnSpPr>
+            <a:cxnSpLocks/>
+            <a:stCxn id="34" idx="5"/>
+            <a:endCxn id="31" idx="0"/>
+          </p:cNvCxnSpPr>
+          <p:nvPr/>
+        </p:nvCxnSpPr>
+        <p:spPr>
+          <a:xfrm>
+            <a:off x="8872207" y="1994068"/>
+            <a:ext cx="723076" cy="656061"/>
+          </a:xfrm>
+          <a:prstGeom prst="straightConnector1">
+            <a:avLst/>
+          </a:prstGeom>
+          <a:ln>
+            <a:tailEnd type="triangle"/>
+          </a:ln>
+        </p:spPr>
+        <p:style>
+          <a:lnRef idx="3">
+            <a:schemeClr val="accent2"/>
+          </a:lnRef>
+          <a:fillRef idx="0">
+            <a:schemeClr val="accent2"/>
+          </a:fillRef>
+          <a:effectRef idx="2">
+            <a:schemeClr val="accent2"/>
+          </a:effectRef>
+          <a:fontRef idx="minor">
+            <a:schemeClr val="tx1"/>
+          </a:fontRef>
+        </p:style>
+      </p:cxnSp>
+      <p:sp>
+        <p:nvSpPr>
+          <p:cNvPr id="34" name="椭圆 33">
+            <a:extLst>
+              <a:ext uri="{FF2B5EF4-FFF2-40B4-BE49-F238E27FC236}">
+                <a16:creationId xmlns:a16="http://schemas.microsoft.com/office/drawing/2014/main" id="{D0CD786C-F4A8-443D-B31E-327B0B3109D8}"/>
+              </a:ext>
+            </a:extLst>
+          </p:cNvPr>
+          <p:cNvSpPr/>
+          <p:nvPr/>
+        </p:nvSpPr>
+        <p:spPr>
+          <a:xfrm>
+            <a:off x="7649704" y="1553623"/>
+            <a:ext cx="1432251" cy="516014"/>
+          </a:xfrm>
+          <a:prstGeom prst="ellipse">
+            <a:avLst/>
+          </a:prstGeom>
+          <a:ln>
+            <a:solidFill>
+              <a:schemeClr val="tx1"/>
+            </a:solidFill>
+          </a:ln>
+        </p:spPr>
+        <p:style>
+          <a:lnRef idx="2">
+            <a:schemeClr val="accent2">
+              <a:shade val="50000"/>
+            </a:schemeClr>
+          </a:lnRef>
+          <a:fillRef idx="1">
+            <a:schemeClr val="accent2"/>
+          </a:fillRef>
+          <a:effectRef idx="0">
+            <a:schemeClr val="accent2"/>
+          </a:effectRef>
+          <a:fontRef idx="minor">
+            <a:schemeClr val="lt1"/>
+          </a:fontRef>
+        </p:style>
+        <p:txBody>
+          <a:bodyPr rtlCol="0" anchor="ctr"/>
+          <a:lstStyle/>
+          <a:p>
+            <a:pPr algn="ctr"/>
+            <a:r>
+              <a:rPr lang="en-US" altLang="zh-CN" dirty="0">
+                <a:solidFill>
+                  <a:schemeClr val="tx1"/>
+                </a:solidFill>
+                <a:latin typeface="Courier New" panose="02070309020205020404" pitchFamily="49" charset="0"/>
+                <a:cs typeface="Courier New" panose="02070309020205020404" pitchFamily="49" charset="0"/>
+              </a:rPr>
+              <a:t>client</a:t>
+            </a:r>
+            <a:endParaRPr lang="zh-CN" altLang="en-US" dirty="0">
+              <a:solidFill>
+                <a:schemeClr val="tx1"/>
+              </a:solidFill>
+              <a:latin typeface="Courier New" panose="02070309020205020404" pitchFamily="49" charset="0"/>
+              <a:cs typeface="Courier New" panose="02070309020205020404" pitchFamily="49" charset="0"/>
+            </a:endParaRPr>
+          </a:p>
+        </p:txBody>
+      </p:sp>
+      <p:sp>
+        <p:nvSpPr>
+          <p:cNvPr id="35" name="文本框 34">
+            <a:extLst>
+              <a:ext uri="{FF2B5EF4-FFF2-40B4-BE49-F238E27FC236}">
+                <a16:creationId xmlns:a16="http://schemas.microsoft.com/office/drawing/2014/main" id="{E432967C-15B8-4932-8292-DA1FB691A83C}"/>
+              </a:ext>
+            </a:extLst>
+          </p:cNvPr>
+          <p:cNvSpPr txBox="1"/>
+          <p:nvPr/>
+        </p:nvSpPr>
+        <p:spPr>
+          <a:xfrm>
+            <a:off x="6502955" y="3211642"/>
+            <a:ext cx="1352370" cy="369332"/>
+          </a:xfrm>
+          <a:prstGeom prst="rect">
+            <a:avLst/>
+          </a:prstGeom>
+          <a:noFill/>
+        </p:spPr>
+        <p:txBody>
+          <a:bodyPr wrap="square" rtlCol="0">
+            <a:spAutoFit/>
+          </a:bodyPr>
+          <a:lstStyle/>
+          <a:p>
+            <a:r>
+              <a:rPr lang="en-US" altLang="zh-CN" dirty="0" err="1">
+                <a:solidFill>
+                  <a:srgbClr val="FF0000"/>
+                </a:solidFill>
+                <a:latin typeface="Courier New" panose="02070309020205020404" pitchFamily="49" charset="0"/>
+                <a:cs typeface="Courier New" panose="02070309020205020404" pitchFamily="49" charset="0"/>
+              </a:rPr>
+              <a:t>Readonly</a:t>
+            </a:r>
+            <a:endParaRPr lang="zh-CN" altLang="en-US" dirty="0">
+              <a:solidFill>
+                <a:srgbClr val="FF0000"/>
+              </a:solidFill>
+              <a:latin typeface="Courier New" panose="02070309020205020404" pitchFamily="49" charset="0"/>
+              <a:cs typeface="Courier New" panose="02070309020205020404" pitchFamily="49" charset="0"/>
+            </a:endParaRPr>
+          </a:p>
+        </p:txBody>
+      </p:sp>
+      <p:sp>
+        <p:nvSpPr>
+          <p:cNvPr id="36" name="椭圆 35">
+            <a:extLst>
+              <a:ext uri="{FF2B5EF4-FFF2-40B4-BE49-F238E27FC236}">
+                <a16:creationId xmlns:a16="http://schemas.microsoft.com/office/drawing/2014/main" id="{E453997E-FA3F-4C10-A5E9-E09EB0B54F54}"/>
+              </a:ext>
+            </a:extLst>
+          </p:cNvPr>
+          <p:cNvSpPr/>
+          <p:nvPr/>
+        </p:nvSpPr>
+        <p:spPr>
+          <a:xfrm>
+            <a:off x="6279474" y="1473693"/>
+            <a:ext cx="4145872" cy="2698812"/>
+          </a:xfrm>
+          <a:prstGeom prst="ellipse">
+            <a:avLst/>
+          </a:prstGeom>
+          <a:noFill/>
+          <a:ln>
+            <a:prstDash val="lgDash"/>
+          </a:ln>
+        </p:spPr>
+        <p:style>
+          <a:lnRef idx="2">
+            <a:schemeClr val="accent1">
+              <a:shade val="50000"/>
+            </a:schemeClr>
+          </a:lnRef>
+          <a:fillRef idx="1">
+            <a:schemeClr val="accent1"/>
+          </a:fillRef>
+          <a:effectRef idx="0">
+            <a:schemeClr val="accent1"/>
+          </a:effectRef>
+          <a:fontRef idx="minor">
+            <a:schemeClr val="lt1"/>
+          </a:fontRef>
+        </p:style>
+        <p:txBody>
+          <a:bodyPr rtlCol="0" anchor="ctr"/>
+          <a:lstStyle/>
+          <a:p>
+            <a:pPr algn="ctr"/>
+            <a:endParaRPr lang="zh-CN" altLang="en-US"/>
+          </a:p>
+        </p:txBody>
+      </p:sp>
+      <p:cxnSp>
+        <p:nvCxnSpPr>
+          <p:cNvPr id="44" name="直接箭头连接符 43">
+            <a:extLst>
+              <a:ext uri="{FF2B5EF4-FFF2-40B4-BE49-F238E27FC236}">
+                <a16:creationId xmlns:a16="http://schemas.microsoft.com/office/drawing/2014/main" id="{0821CAA1-4103-4BFF-AEB7-353DBE2DD3E6}"/>
+              </a:ext>
+            </a:extLst>
+          </p:cNvPr>
+          <p:cNvCxnSpPr>
+            <a:cxnSpLocks/>
+            <a:stCxn id="19" idx="6"/>
+            <a:endCxn id="36" idx="2"/>
+          </p:cNvCxnSpPr>
+          <p:nvPr/>
+        </p:nvCxnSpPr>
+        <p:spPr>
+          <a:xfrm>
+            <a:off x="5379868" y="2823099"/>
+            <a:ext cx="899606" cy="0"/>
+          </a:xfrm>
+          <a:prstGeom prst="straightConnector1">
+            <a:avLst/>
+          </a:prstGeom>
+          <a:ln>
+            <a:tailEnd type="triangle"/>
+          </a:ln>
+        </p:spPr>
+        <p:style>
+          <a:lnRef idx="3">
+            <a:schemeClr val="dk1"/>
+          </a:lnRef>
+          <a:fillRef idx="0">
+            <a:schemeClr val="dk1"/>
+          </a:fillRef>
+          <a:effectRef idx="2">
+            <a:schemeClr val="dk1"/>
+          </a:effectRef>
+          <a:fontRef idx="minor">
+            <a:schemeClr val="tx1"/>
+          </a:fontRef>
+        </p:style>
+      </p:cxnSp>
+      <p:sp>
+        <p:nvSpPr>
+          <p:cNvPr id="46" name="文本框 45">
+            <a:extLst>
+              <a:ext uri="{FF2B5EF4-FFF2-40B4-BE49-F238E27FC236}">
+                <a16:creationId xmlns:a16="http://schemas.microsoft.com/office/drawing/2014/main" id="{73D48770-C1C4-4019-908A-FC27686A0A21}"/>
+              </a:ext>
+            </a:extLst>
+          </p:cNvPr>
+          <p:cNvSpPr txBox="1"/>
+          <p:nvPr/>
+        </p:nvSpPr>
+        <p:spPr>
+          <a:xfrm>
+            <a:off x="1815524" y="1842077"/>
+            <a:ext cx="870012" cy="369332"/>
+          </a:xfrm>
+          <a:prstGeom prst="rect">
+            <a:avLst/>
+          </a:prstGeom>
+          <a:noFill/>
+        </p:spPr>
+        <p:txBody>
+          <a:bodyPr wrap="square" rtlCol="0">
+            <a:spAutoFit/>
+          </a:bodyPr>
+          <a:lstStyle/>
+          <a:p>
+            <a:r>
               <a:rPr lang="zh-CN" altLang="en-US" dirty="0">
                 <a:latin typeface="仿宋" panose="02010609060101010101" pitchFamily="49" charset="-122"/>
                 <a:ea typeface="仿宋" panose="02010609060101010101" pitchFamily="49" charset="-122"/>
               </a:rPr>
-              <a:t>客户端</a:t>
-            </a:r>
+              <a:t>状态</a:t>
+            </a:r>
+            <a:r>
+              <a:rPr lang="en-US" altLang="zh-CN" dirty="0">
+                <a:latin typeface="仿宋" panose="02010609060101010101" pitchFamily="49" charset="-122"/>
+                <a:ea typeface="仿宋" panose="02010609060101010101" pitchFamily="49" charset="-122"/>
+              </a:rPr>
+              <a:t>1</a:t>
+            </a:r>
+            <a:endParaRPr lang="zh-CN" altLang="en-US" dirty="0">
+              <a:latin typeface="仿宋" panose="02010609060101010101" pitchFamily="49" charset="-122"/>
+              <a:ea typeface="仿宋" panose="02010609060101010101" pitchFamily="49" charset="-122"/>
+            </a:endParaRPr>
+          </a:p>
+        </p:txBody>
+      </p:sp>
+      <p:sp>
+        <p:nvSpPr>
+          <p:cNvPr id="47" name="文本框 46">
+            <a:extLst>
+              <a:ext uri="{FF2B5EF4-FFF2-40B4-BE49-F238E27FC236}">
+                <a16:creationId xmlns:a16="http://schemas.microsoft.com/office/drawing/2014/main" id="{28F2B70D-9EC7-4CD0-A6DE-E9E8BF2CF4BF}"/>
+              </a:ext>
+            </a:extLst>
+          </p:cNvPr>
+          <p:cNvSpPr txBox="1"/>
+          <p:nvPr/>
+        </p:nvSpPr>
+        <p:spPr>
+          <a:xfrm>
+            <a:off x="6779692" y="1899227"/>
+            <a:ext cx="870012" cy="369332"/>
+          </a:xfrm>
+          <a:prstGeom prst="rect">
+            <a:avLst/>
+          </a:prstGeom>
+          <a:noFill/>
+        </p:spPr>
+        <p:txBody>
+          <a:bodyPr wrap="square" rtlCol="0">
+            <a:spAutoFit/>
+          </a:bodyPr>
+          <a:lstStyle/>
+          <a:p>
+            <a:r>
+              <a:rPr lang="zh-CN" altLang="en-US" dirty="0">
+                <a:latin typeface="仿宋" panose="02010609060101010101" pitchFamily="49" charset="-122"/>
+                <a:ea typeface="仿宋" panose="02010609060101010101" pitchFamily="49" charset="-122"/>
+              </a:rPr>
+              <a:t>状态</a:t>
+            </a:r>
+            <a:r>
+              <a:rPr lang="en-US" altLang="zh-CN" dirty="0">
+                <a:latin typeface="仿宋" panose="02010609060101010101" pitchFamily="49" charset="-122"/>
+                <a:ea typeface="仿宋" panose="02010609060101010101" pitchFamily="49" charset="-122"/>
+              </a:rPr>
+              <a:t>2</a:t>
+            </a:r>
+            <a:endParaRPr lang="zh-CN" altLang="en-US" dirty="0">
+              <a:latin typeface="仿宋" panose="02010609060101010101" pitchFamily="49" charset="-122"/>
+              <a:ea typeface="仿宋" panose="02010609060101010101" pitchFamily="49" charset="-122"/>
+            </a:endParaRPr>
           </a:p>
         </p:txBody>
       </p:sp>
     </p:spTree>
     <p:extLst>
       <p:ext uri="{BB962C8B-B14F-4D97-AF65-F5344CB8AC3E}">
-        <p14:creationId xmlns:p14="http://schemas.microsoft.com/office/powerpoint/2010/main" val="143959861"/>
+        <p14:creationId xmlns:p14="http://schemas.microsoft.com/office/powerpoint/2010/main" val="1298170396"/>
+      </p:ext>
+    </p:extLst>
+  </p:cSld>
+  <p:clrMapOvr>
+    <a:masterClrMapping/>
+  </p:clrMapOvr>
+</p:sld>
+</file>
+
+<file path=ppt/slides/slide3.xml><?xml version="1.0" encoding="utf-8"?>
+<p:sld xmlns:a="http://schemas.openxmlformats.org/drawingml/2006/main" xmlns:r="http://schemas.openxmlformats.org/officeDocument/2006/relationships" xmlns:p="http://schemas.openxmlformats.org/presentationml/2006/main">
+  <p:cSld>
+    <p:spTree>
+      <p:nvGrpSpPr>
+        <p:cNvPr id="1" name=""/>
+        <p:cNvGrpSpPr/>
+        <p:nvPr/>
+      </p:nvGrpSpPr>
+      <p:grpSpPr>
+        <a:xfrm>
+          <a:off x="0" y="0"/>
+          <a:ext cx="0" cy="0"/>
+          <a:chOff x="0" y="0"/>
+          <a:chExt cx="0" cy="0"/>
+        </a:xfrm>
+      </p:grpSpPr>
+    </p:spTree>
+    <p:extLst>
+      <p:ext uri="{BB962C8B-B14F-4D97-AF65-F5344CB8AC3E}">
+        <p14:creationId xmlns:p14="http://schemas.microsoft.com/office/powerpoint/2010/main" val="3908000820"/>
       </p:ext>
     </p:extLst>
   </p:cSld>

--- a/SQL/pics.pptx
+++ b/SQL/pics.pptx
@@ -261,7 +261,7 @@
           <a:p>
             <a:fld id="{192F5C13-91A9-494E-9FB7-1AEE7968F8A3}" type="datetimeFigureOut">
               <a:rPr lang="zh-CN" altLang="en-US" smtClean="0"/>
-              <a:t>2021/07/21</a:t>
+              <a:t>2021/07/24</a:t>
             </a:fld>
             <a:endParaRPr lang="zh-CN" altLang="en-US"/>
           </a:p>
@@ -459,7 +459,7 @@
           <a:p>
             <a:fld id="{192F5C13-91A9-494E-9FB7-1AEE7968F8A3}" type="datetimeFigureOut">
               <a:rPr lang="zh-CN" altLang="en-US" smtClean="0"/>
-              <a:t>2021/07/21</a:t>
+              <a:t>2021/07/24</a:t>
             </a:fld>
             <a:endParaRPr lang="zh-CN" altLang="en-US"/>
           </a:p>
@@ -667,7 +667,7 @@
           <a:p>
             <a:fld id="{192F5C13-91A9-494E-9FB7-1AEE7968F8A3}" type="datetimeFigureOut">
               <a:rPr lang="zh-CN" altLang="en-US" smtClean="0"/>
-              <a:t>2021/07/21</a:t>
+              <a:t>2021/07/24</a:t>
             </a:fld>
             <a:endParaRPr lang="zh-CN" altLang="en-US"/>
           </a:p>
@@ -865,7 +865,7 @@
           <a:p>
             <a:fld id="{192F5C13-91A9-494E-9FB7-1AEE7968F8A3}" type="datetimeFigureOut">
               <a:rPr lang="zh-CN" altLang="en-US" smtClean="0"/>
-              <a:t>2021/07/21</a:t>
+              <a:t>2021/07/24</a:t>
             </a:fld>
             <a:endParaRPr lang="zh-CN" altLang="en-US"/>
           </a:p>
@@ -1140,7 +1140,7 @@
           <a:p>
             <a:fld id="{192F5C13-91A9-494E-9FB7-1AEE7968F8A3}" type="datetimeFigureOut">
               <a:rPr lang="zh-CN" altLang="en-US" smtClean="0"/>
-              <a:t>2021/07/21</a:t>
+              <a:t>2021/07/24</a:t>
             </a:fld>
             <a:endParaRPr lang="zh-CN" altLang="en-US"/>
           </a:p>
@@ -1405,7 +1405,7 @@
           <a:p>
             <a:fld id="{192F5C13-91A9-494E-9FB7-1AEE7968F8A3}" type="datetimeFigureOut">
               <a:rPr lang="zh-CN" altLang="en-US" smtClean="0"/>
-              <a:t>2021/07/21</a:t>
+              <a:t>2021/07/24</a:t>
             </a:fld>
             <a:endParaRPr lang="zh-CN" altLang="en-US"/>
           </a:p>
@@ -1817,7 +1817,7 @@
           <a:p>
             <a:fld id="{192F5C13-91A9-494E-9FB7-1AEE7968F8A3}" type="datetimeFigureOut">
               <a:rPr lang="zh-CN" altLang="en-US" smtClean="0"/>
-              <a:t>2021/07/21</a:t>
+              <a:t>2021/07/24</a:t>
             </a:fld>
             <a:endParaRPr lang="zh-CN" altLang="en-US"/>
           </a:p>
@@ -1958,7 +1958,7 @@
           <a:p>
             <a:fld id="{192F5C13-91A9-494E-9FB7-1AEE7968F8A3}" type="datetimeFigureOut">
               <a:rPr lang="zh-CN" altLang="en-US" smtClean="0"/>
-              <a:t>2021/07/21</a:t>
+              <a:t>2021/07/24</a:t>
             </a:fld>
             <a:endParaRPr lang="zh-CN" altLang="en-US"/>
           </a:p>
@@ -2071,7 +2071,7 @@
           <a:p>
             <a:fld id="{192F5C13-91A9-494E-9FB7-1AEE7968F8A3}" type="datetimeFigureOut">
               <a:rPr lang="zh-CN" altLang="en-US" smtClean="0"/>
-              <a:t>2021/07/21</a:t>
+              <a:t>2021/07/24</a:t>
             </a:fld>
             <a:endParaRPr lang="zh-CN" altLang="en-US"/>
           </a:p>
@@ -2382,7 +2382,7 @@
           <a:p>
             <a:fld id="{192F5C13-91A9-494E-9FB7-1AEE7968F8A3}" type="datetimeFigureOut">
               <a:rPr lang="zh-CN" altLang="en-US" smtClean="0"/>
-              <a:t>2021/07/21</a:t>
+              <a:t>2021/07/24</a:t>
             </a:fld>
             <a:endParaRPr lang="zh-CN" altLang="en-US"/>
           </a:p>
@@ -2670,7 +2670,7 @@
           <a:p>
             <a:fld id="{192F5C13-91A9-494E-9FB7-1AEE7968F8A3}" type="datetimeFigureOut">
               <a:rPr lang="zh-CN" altLang="en-US" smtClean="0"/>
-              <a:t>2021/07/21</a:t>
+              <a:t>2021/07/24</a:t>
             </a:fld>
             <a:endParaRPr lang="zh-CN" altLang="en-US"/>
           </a:p>
@@ -2911,7 +2911,7 @@
           <a:p>
             <a:fld id="{192F5C13-91A9-494E-9FB7-1AEE7968F8A3}" type="datetimeFigureOut">
               <a:rPr lang="zh-CN" altLang="en-US" smtClean="0"/>
-              <a:t>2021/07/21</a:t>
+              <a:t>2021/07/24</a:t>
             </a:fld>
             <a:endParaRPr lang="zh-CN" altLang="en-US"/>
           </a:p>
@@ -4847,7 +4847,7 @@
         </p:nvCxnSpPr>
         <p:spPr>
           <a:xfrm>
-            <a:off x="2596717" y="2964448"/>
+            <a:off x="2610136" y="2955570"/>
             <a:ext cx="1318335" cy="0"/>
           </a:xfrm>
           <a:prstGeom prst="straightConnector1">
@@ -5232,8 +5232,8 @@
         </p:nvCxnSpPr>
         <p:spPr>
           <a:xfrm>
-            <a:off x="7649704" y="2930886"/>
-            <a:ext cx="1318335" cy="0"/>
+            <a:off x="7608165" y="2823099"/>
+            <a:ext cx="1401192" cy="0"/>
           </a:xfrm>
           <a:prstGeom prst="straightConnector1">
             <a:avLst/>
@@ -5606,6 +5606,88 @@
           </a:p>
         </p:txBody>
       </p:sp>
+      <p:cxnSp>
+        <p:nvCxnSpPr>
+          <p:cNvPr id="20" name="直接箭头连接符 19">
+            <a:extLst>
+              <a:ext uri="{FF2B5EF4-FFF2-40B4-BE49-F238E27FC236}">
+                <a16:creationId xmlns:a16="http://schemas.microsoft.com/office/drawing/2014/main" id="{F02DFF5B-C7E2-4ACA-A87D-D89651820D6E}"/>
+              </a:ext>
+            </a:extLst>
+          </p:cNvPr>
+          <p:cNvCxnSpPr>
+            <a:cxnSpLocks/>
+          </p:cNvCxnSpPr>
+          <p:nvPr/>
+        </p:nvCxnSpPr>
+        <p:spPr>
+          <a:xfrm flipH="1">
+            <a:off x="2638146" y="3142473"/>
+            <a:ext cx="1383437" cy="0"/>
+          </a:xfrm>
+          <a:prstGeom prst="straightConnector1">
+            <a:avLst/>
+          </a:prstGeom>
+          <a:ln>
+            <a:tailEnd type="triangle"/>
+          </a:ln>
+        </p:spPr>
+        <p:style>
+          <a:lnRef idx="3">
+            <a:schemeClr val="dk1"/>
+          </a:lnRef>
+          <a:fillRef idx="0">
+            <a:schemeClr val="dk1"/>
+          </a:fillRef>
+          <a:effectRef idx="2">
+            <a:schemeClr val="dk1"/>
+          </a:effectRef>
+          <a:fontRef idx="minor">
+            <a:schemeClr val="tx1"/>
+          </a:fontRef>
+        </p:style>
+      </p:cxnSp>
+      <p:cxnSp>
+        <p:nvCxnSpPr>
+          <p:cNvPr id="21" name="直接箭头连接符 20">
+            <a:extLst>
+              <a:ext uri="{FF2B5EF4-FFF2-40B4-BE49-F238E27FC236}">
+                <a16:creationId xmlns:a16="http://schemas.microsoft.com/office/drawing/2014/main" id="{80A5B4B8-2052-4E8E-B6D9-AADFD7B8B3F6}"/>
+              </a:ext>
+            </a:extLst>
+          </p:cNvPr>
+          <p:cNvCxnSpPr>
+            <a:cxnSpLocks/>
+          </p:cNvCxnSpPr>
+          <p:nvPr/>
+        </p:nvCxnSpPr>
+        <p:spPr>
+          <a:xfrm flipH="1">
+            <a:off x="7631948" y="3054954"/>
+            <a:ext cx="1383436" cy="0"/>
+          </a:xfrm>
+          <a:prstGeom prst="straightConnector1">
+            <a:avLst/>
+          </a:prstGeom>
+          <a:ln>
+            <a:tailEnd type="triangle"/>
+          </a:ln>
+        </p:spPr>
+        <p:style>
+          <a:lnRef idx="3">
+            <a:schemeClr val="dk1"/>
+          </a:lnRef>
+          <a:fillRef idx="0">
+            <a:schemeClr val="dk1"/>
+          </a:fillRef>
+          <a:effectRef idx="2">
+            <a:schemeClr val="dk1"/>
+          </a:effectRef>
+          <a:fontRef idx="minor">
+            <a:schemeClr val="tx1"/>
+          </a:fontRef>
+        </p:style>
+      </p:cxnSp>
     </p:spTree>
     <p:extLst>
       <p:ext uri="{BB962C8B-B14F-4D97-AF65-F5344CB8AC3E}">
@@ -5636,6 +5718,1240 @@
           <a:chExt cx="0" cy="0"/>
         </a:xfrm>
       </p:grpSpPr>
+      <p:sp>
+        <p:nvSpPr>
+          <p:cNvPr id="2" name="椭圆 1">
+            <a:extLst>
+              <a:ext uri="{FF2B5EF4-FFF2-40B4-BE49-F238E27FC236}">
+                <a16:creationId xmlns:a16="http://schemas.microsoft.com/office/drawing/2014/main" id="{C3F271C0-D589-4E1E-BE7A-90476B1DA160}"/>
+              </a:ext>
+            </a:extLst>
+          </p:cNvPr>
+          <p:cNvSpPr/>
+          <p:nvPr/>
+        </p:nvSpPr>
+        <p:spPr>
+          <a:xfrm>
+            <a:off x="4793941" y="1100831"/>
+            <a:ext cx="1047566" cy="603682"/>
+          </a:xfrm>
+          <a:prstGeom prst="ellipse">
+            <a:avLst/>
+          </a:prstGeom>
+        </p:spPr>
+        <p:style>
+          <a:lnRef idx="1">
+            <a:schemeClr val="accent1"/>
+          </a:lnRef>
+          <a:fillRef idx="2">
+            <a:schemeClr val="accent1"/>
+          </a:fillRef>
+          <a:effectRef idx="1">
+            <a:schemeClr val="accent1"/>
+          </a:effectRef>
+          <a:fontRef idx="minor">
+            <a:schemeClr val="dk1"/>
+          </a:fontRef>
+        </p:style>
+        <p:txBody>
+          <a:bodyPr rtlCol="0" anchor="ctr"/>
+          <a:lstStyle/>
+          <a:p>
+            <a:pPr algn="ctr"/>
+            <a:r>
+              <a:rPr lang="en-US" altLang="zh-CN" sz="1200" dirty="0">
+                <a:latin typeface="Courier New" panose="02070309020205020404" pitchFamily="49" charset="0"/>
+                <a:cs typeface="Courier New" panose="02070309020205020404" pitchFamily="49" charset="0"/>
+              </a:rPr>
+              <a:t>client</a:t>
+            </a:r>
+            <a:endParaRPr lang="zh-CN" altLang="en-US" sz="1200" dirty="0">
+              <a:latin typeface="Courier New" panose="02070309020205020404" pitchFamily="49" charset="0"/>
+              <a:cs typeface="Courier New" panose="02070309020205020404" pitchFamily="49" charset="0"/>
+            </a:endParaRPr>
+          </a:p>
+        </p:txBody>
+      </p:sp>
+      <p:sp>
+        <p:nvSpPr>
+          <p:cNvPr id="3" name="椭圆 2">
+            <a:extLst>
+              <a:ext uri="{FF2B5EF4-FFF2-40B4-BE49-F238E27FC236}">
+                <a16:creationId xmlns:a16="http://schemas.microsoft.com/office/drawing/2014/main" id="{FCFD33AA-4B3E-4991-B85C-126124990C39}"/>
+              </a:ext>
+            </a:extLst>
+          </p:cNvPr>
+          <p:cNvSpPr/>
+          <p:nvPr/>
+        </p:nvSpPr>
+        <p:spPr>
+          <a:xfrm>
+            <a:off x="2860465" y="2112885"/>
+            <a:ext cx="1010199" cy="506028"/>
+          </a:xfrm>
+          <a:prstGeom prst="ellipse">
+            <a:avLst/>
+          </a:prstGeom>
+        </p:spPr>
+        <p:style>
+          <a:lnRef idx="2">
+            <a:schemeClr val="accent1">
+              <a:shade val="50000"/>
+            </a:schemeClr>
+          </a:lnRef>
+          <a:fillRef idx="1">
+            <a:schemeClr val="accent1"/>
+          </a:fillRef>
+          <a:effectRef idx="0">
+            <a:schemeClr val="accent1"/>
+          </a:effectRef>
+          <a:fontRef idx="minor">
+            <a:schemeClr val="lt1"/>
+          </a:fontRef>
+        </p:style>
+        <p:txBody>
+          <a:bodyPr rtlCol="0" anchor="ctr"/>
+          <a:lstStyle/>
+          <a:p>
+            <a:pPr algn="ctr"/>
+            <a:r>
+              <a:rPr lang="en-US" altLang="zh-CN" sz="1200" dirty="0">
+                <a:solidFill>
+                  <a:schemeClr val="tx1"/>
+                </a:solidFill>
+                <a:latin typeface="Courier New" panose="02070309020205020404" pitchFamily="49" charset="0"/>
+                <a:cs typeface="Courier New" panose="02070309020205020404" pitchFamily="49" charset="0"/>
+              </a:rPr>
+              <a:t>MySQL</a:t>
+            </a:r>
+          </a:p>
+          <a:p>
+            <a:pPr algn="ctr"/>
+            <a:r>
+              <a:rPr lang="en-US" altLang="zh-CN" sz="1200" dirty="0">
+                <a:solidFill>
+                  <a:schemeClr val="tx1"/>
+                </a:solidFill>
+                <a:latin typeface="Courier New" panose="02070309020205020404" pitchFamily="49" charset="0"/>
+                <a:cs typeface="Courier New" panose="02070309020205020404" pitchFamily="49" charset="0"/>
+              </a:rPr>
+              <a:t>A</a:t>
+            </a:r>
+            <a:endParaRPr lang="zh-CN" altLang="en-US" sz="1200" dirty="0">
+              <a:solidFill>
+                <a:schemeClr val="tx1"/>
+              </a:solidFill>
+              <a:latin typeface="Courier New" panose="02070309020205020404" pitchFamily="49" charset="0"/>
+              <a:cs typeface="Courier New" panose="02070309020205020404" pitchFamily="49" charset="0"/>
+            </a:endParaRPr>
+          </a:p>
+        </p:txBody>
+      </p:sp>
+      <p:sp>
+        <p:nvSpPr>
+          <p:cNvPr id="4" name="椭圆 3">
+            <a:extLst>
+              <a:ext uri="{FF2B5EF4-FFF2-40B4-BE49-F238E27FC236}">
+                <a16:creationId xmlns:a16="http://schemas.microsoft.com/office/drawing/2014/main" id="{C24FF85F-ABC5-491B-AA4B-8C3034415256}"/>
+              </a:ext>
+            </a:extLst>
+          </p:cNvPr>
+          <p:cNvSpPr/>
+          <p:nvPr/>
+        </p:nvSpPr>
+        <p:spPr>
+          <a:xfrm>
+            <a:off x="4345618" y="2112885"/>
+            <a:ext cx="976543" cy="506028"/>
+          </a:xfrm>
+          <a:prstGeom prst="ellipse">
+            <a:avLst/>
+          </a:prstGeom>
+        </p:spPr>
+        <p:style>
+          <a:lnRef idx="2">
+            <a:schemeClr val="accent1">
+              <a:shade val="50000"/>
+            </a:schemeClr>
+          </a:lnRef>
+          <a:fillRef idx="1">
+            <a:schemeClr val="accent1"/>
+          </a:fillRef>
+          <a:effectRef idx="0">
+            <a:schemeClr val="accent1"/>
+          </a:effectRef>
+          <a:fontRef idx="minor">
+            <a:schemeClr val="lt1"/>
+          </a:fontRef>
+        </p:style>
+        <p:txBody>
+          <a:bodyPr rtlCol="0" anchor="ctr"/>
+          <a:lstStyle/>
+          <a:p>
+            <a:pPr algn="ctr"/>
+            <a:r>
+              <a:rPr lang="en-US" altLang="zh-CN" sz="1200" dirty="0">
+                <a:solidFill>
+                  <a:schemeClr val="tx1"/>
+                </a:solidFill>
+                <a:latin typeface="Courier New" panose="02070309020205020404" pitchFamily="49" charset="0"/>
+                <a:cs typeface="Courier New" panose="02070309020205020404" pitchFamily="49" charset="0"/>
+              </a:rPr>
+              <a:t>MySQL</a:t>
+            </a:r>
+          </a:p>
+          <a:p>
+            <a:pPr algn="ctr"/>
+            <a:r>
+              <a:rPr lang="en-US" altLang="zh-CN" sz="1200" dirty="0">
+                <a:solidFill>
+                  <a:schemeClr val="tx1"/>
+                </a:solidFill>
+                <a:latin typeface="Courier New" panose="02070309020205020404" pitchFamily="49" charset="0"/>
+                <a:cs typeface="Courier New" panose="02070309020205020404" pitchFamily="49" charset="0"/>
+              </a:rPr>
+              <a:t>B</a:t>
+            </a:r>
+            <a:endParaRPr lang="zh-CN" altLang="en-US" sz="1200" dirty="0">
+              <a:solidFill>
+                <a:schemeClr val="tx1"/>
+              </a:solidFill>
+              <a:latin typeface="Courier New" panose="02070309020205020404" pitchFamily="49" charset="0"/>
+              <a:cs typeface="Courier New" panose="02070309020205020404" pitchFamily="49" charset="0"/>
+            </a:endParaRPr>
+          </a:p>
+        </p:txBody>
+      </p:sp>
+      <p:sp>
+        <p:nvSpPr>
+          <p:cNvPr id="5" name="椭圆 4">
+            <a:extLst>
+              <a:ext uri="{FF2B5EF4-FFF2-40B4-BE49-F238E27FC236}">
+                <a16:creationId xmlns:a16="http://schemas.microsoft.com/office/drawing/2014/main" id="{E24EB041-15D7-4431-A99C-6A2F24E50608}"/>
+              </a:ext>
+            </a:extLst>
+          </p:cNvPr>
+          <p:cNvSpPr/>
+          <p:nvPr/>
+        </p:nvSpPr>
+        <p:spPr>
+          <a:xfrm>
+            <a:off x="5717217" y="2112885"/>
+            <a:ext cx="976543" cy="506028"/>
+          </a:xfrm>
+          <a:prstGeom prst="ellipse">
+            <a:avLst/>
+          </a:prstGeom>
+        </p:spPr>
+        <p:style>
+          <a:lnRef idx="2">
+            <a:schemeClr val="accent1">
+              <a:shade val="50000"/>
+            </a:schemeClr>
+          </a:lnRef>
+          <a:fillRef idx="1">
+            <a:schemeClr val="accent1"/>
+          </a:fillRef>
+          <a:effectRef idx="0">
+            <a:schemeClr val="accent1"/>
+          </a:effectRef>
+          <a:fontRef idx="minor">
+            <a:schemeClr val="lt1"/>
+          </a:fontRef>
+        </p:style>
+        <p:txBody>
+          <a:bodyPr rtlCol="0" anchor="ctr"/>
+          <a:lstStyle/>
+          <a:p>
+            <a:pPr algn="ctr"/>
+            <a:r>
+              <a:rPr lang="en-US" altLang="zh-CN" sz="1200" dirty="0">
+                <a:solidFill>
+                  <a:schemeClr val="tx1"/>
+                </a:solidFill>
+                <a:latin typeface="Courier New" panose="02070309020205020404" pitchFamily="49" charset="0"/>
+                <a:cs typeface="Courier New" panose="02070309020205020404" pitchFamily="49" charset="0"/>
+              </a:rPr>
+              <a:t>MySQL</a:t>
+            </a:r>
+          </a:p>
+          <a:p>
+            <a:pPr algn="ctr"/>
+            <a:r>
+              <a:rPr lang="en-US" altLang="zh-CN" sz="1200" dirty="0">
+                <a:solidFill>
+                  <a:schemeClr val="tx1"/>
+                </a:solidFill>
+                <a:latin typeface="Courier New" panose="02070309020205020404" pitchFamily="49" charset="0"/>
+                <a:cs typeface="Courier New" panose="02070309020205020404" pitchFamily="49" charset="0"/>
+              </a:rPr>
+              <a:t>C</a:t>
+            </a:r>
+            <a:endParaRPr lang="zh-CN" altLang="en-US" sz="1200" dirty="0">
+              <a:solidFill>
+                <a:schemeClr val="tx1"/>
+              </a:solidFill>
+              <a:latin typeface="Courier New" panose="02070309020205020404" pitchFamily="49" charset="0"/>
+              <a:cs typeface="Courier New" panose="02070309020205020404" pitchFamily="49" charset="0"/>
+            </a:endParaRPr>
+          </a:p>
+        </p:txBody>
+      </p:sp>
+      <p:sp>
+        <p:nvSpPr>
+          <p:cNvPr id="6" name="椭圆 5">
+            <a:extLst>
+              <a:ext uri="{FF2B5EF4-FFF2-40B4-BE49-F238E27FC236}">
+                <a16:creationId xmlns:a16="http://schemas.microsoft.com/office/drawing/2014/main" id="{9015757F-C9EC-43C2-951F-C87764A93263}"/>
+              </a:ext>
+            </a:extLst>
+          </p:cNvPr>
+          <p:cNvSpPr/>
+          <p:nvPr/>
+        </p:nvSpPr>
+        <p:spPr>
+          <a:xfrm>
+            <a:off x="7088816" y="2112885"/>
+            <a:ext cx="976543" cy="506028"/>
+          </a:xfrm>
+          <a:prstGeom prst="ellipse">
+            <a:avLst/>
+          </a:prstGeom>
+        </p:spPr>
+        <p:style>
+          <a:lnRef idx="2">
+            <a:schemeClr val="accent1">
+              <a:shade val="50000"/>
+            </a:schemeClr>
+          </a:lnRef>
+          <a:fillRef idx="1">
+            <a:schemeClr val="accent1"/>
+          </a:fillRef>
+          <a:effectRef idx="0">
+            <a:schemeClr val="accent1"/>
+          </a:effectRef>
+          <a:fontRef idx="minor">
+            <a:schemeClr val="lt1"/>
+          </a:fontRef>
+        </p:style>
+        <p:txBody>
+          <a:bodyPr rtlCol="0" anchor="ctr"/>
+          <a:lstStyle/>
+          <a:p>
+            <a:pPr algn="ctr"/>
+            <a:r>
+              <a:rPr lang="en-US" altLang="zh-CN" sz="1200" dirty="0">
+                <a:solidFill>
+                  <a:schemeClr val="tx1"/>
+                </a:solidFill>
+                <a:latin typeface="Courier New" panose="02070309020205020404" pitchFamily="49" charset="0"/>
+                <a:cs typeface="Courier New" panose="02070309020205020404" pitchFamily="49" charset="0"/>
+              </a:rPr>
+              <a:t>MySQL</a:t>
+            </a:r>
+          </a:p>
+          <a:p>
+            <a:pPr algn="ctr"/>
+            <a:r>
+              <a:rPr lang="en-US" altLang="zh-CN" sz="1200" dirty="0">
+                <a:solidFill>
+                  <a:schemeClr val="tx1"/>
+                </a:solidFill>
+                <a:latin typeface="Courier New" panose="02070309020205020404" pitchFamily="49" charset="0"/>
+                <a:cs typeface="Courier New" panose="02070309020205020404" pitchFamily="49" charset="0"/>
+              </a:rPr>
+              <a:t>D</a:t>
+            </a:r>
+            <a:endParaRPr lang="zh-CN" altLang="en-US" sz="1200" dirty="0">
+              <a:solidFill>
+                <a:schemeClr val="tx1"/>
+              </a:solidFill>
+              <a:latin typeface="Courier New" panose="02070309020205020404" pitchFamily="49" charset="0"/>
+              <a:cs typeface="Courier New" panose="02070309020205020404" pitchFamily="49" charset="0"/>
+            </a:endParaRPr>
+          </a:p>
+        </p:txBody>
+      </p:sp>
+      <p:cxnSp>
+        <p:nvCxnSpPr>
+          <p:cNvPr id="8" name="直接箭头连接符 7">
+            <a:extLst>
+              <a:ext uri="{FF2B5EF4-FFF2-40B4-BE49-F238E27FC236}">
+                <a16:creationId xmlns:a16="http://schemas.microsoft.com/office/drawing/2014/main" id="{0F21F991-1DD9-411E-9466-9DB818432416}"/>
+              </a:ext>
+            </a:extLst>
+          </p:cNvPr>
+          <p:cNvCxnSpPr>
+            <a:cxnSpLocks/>
+          </p:cNvCxnSpPr>
+          <p:nvPr/>
+        </p:nvCxnSpPr>
+        <p:spPr>
+          <a:xfrm flipH="1">
+            <a:off x="3730475" y="1509204"/>
+            <a:ext cx="1116732" cy="677787"/>
+          </a:xfrm>
+          <a:prstGeom prst="straightConnector1">
+            <a:avLst/>
+          </a:prstGeom>
+          <a:ln>
+            <a:tailEnd type="triangle"/>
+          </a:ln>
+        </p:spPr>
+        <p:style>
+          <a:lnRef idx="3">
+            <a:schemeClr val="dk1"/>
+          </a:lnRef>
+          <a:fillRef idx="0">
+            <a:schemeClr val="dk1"/>
+          </a:fillRef>
+          <a:effectRef idx="2">
+            <a:schemeClr val="dk1"/>
+          </a:effectRef>
+          <a:fontRef idx="minor">
+            <a:schemeClr val="tx1"/>
+          </a:fontRef>
+        </p:style>
+      </p:cxnSp>
+      <p:cxnSp>
+        <p:nvCxnSpPr>
+          <p:cNvPr id="18" name="直接箭头连接符 17">
+            <a:extLst>
+              <a:ext uri="{FF2B5EF4-FFF2-40B4-BE49-F238E27FC236}">
+                <a16:creationId xmlns:a16="http://schemas.microsoft.com/office/drawing/2014/main" id="{D27DD387-5BE3-4905-AAC7-59EDEECB04D6}"/>
+              </a:ext>
+            </a:extLst>
+          </p:cNvPr>
+          <p:cNvCxnSpPr>
+            <a:endCxn id="4" idx="0"/>
+          </p:cNvCxnSpPr>
+          <p:nvPr/>
+        </p:nvCxnSpPr>
+        <p:spPr>
+          <a:xfrm flipH="1">
+            <a:off x="4833890" y="1680963"/>
+            <a:ext cx="269295" cy="431922"/>
+          </a:xfrm>
+          <a:prstGeom prst="straightConnector1">
+            <a:avLst/>
+          </a:prstGeom>
+          <a:ln>
+            <a:tailEnd type="triangle"/>
+          </a:ln>
+        </p:spPr>
+        <p:style>
+          <a:lnRef idx="2">
+            <a:schemeClr val="accent2"/>
+          </a:lnRef>
+          <a:fillRef idx="0">
+            <a:schemeClr val="accent2"/>
+          </a:fillRef>
+          <a:effectRef idx="1">
+            <a:schemeClr val="accent2"/>
+          </a:effectRef>
+          <a:fontRef idx="minor">
+            <a:schemeClr val="tx1"/>
+          </a:fontRef>
+        </p:style>
+      </p:cxnSp>
+      <p:cxnSp>
+        <p:nvCxnSpPr>
+          <p:cNvPr id="20" name="直接箭头连接符 19">
+            <a:extLst>
+              <a:ext uri="{FF2B5EF4-FFF2-40B4-BE49-F238E27FC236}">
+                <a16:creationId xmlns:a16="http://schemas.microsoft.com/office/drawing/2014/main" id="{ECBE5B00-6134-40CF-B780-4563FE743F5F}"/>
+              </a:ext>
+            </a:extLst>
+          </p:cNvPr>
+          <p:cNvCxnSpPr>
+            <a:stCxn id="2" idx="5"/>
+            <a:endCxn id="5" idx="0"/>
+          </p:cNvCxnSpPr>
+          <p:nvPr/>
+        </p:nvCxnSpPr>
+        <p:spPr>
+          <a:xfrm>
+            <a:off x="5688095" y="1616106"/>
+            <a:ext cx="517394" cy="496779"/>
+          </a:xfrm>
+          <a:prstGeom prst="straightConnector1">
+            <a:avLst/>
+          </a:prstGeom>
+          <a:ln>
+            <a:tailEnd type="triangle"/>
+          </a:ln>
+        </p:spPr>
+        <p:style>
+          <a:lnRef idx="2">
+            <a:schemeClr val="accent2"/>
+          </a:lnRef>
+          <a:fillRef idx="0">
+            <a:schemeClr val="accent2"/>
+          </a:fillRef>
+          <a:effectRef idx="1">
+            <a:schemeClr val="accent2"/>
+          </a:effectRef>
+          <a:fontRef idx="minor">
+            <a:schemeClr val="tx1"/>
+          </a:fontRef>
+        </p:style>
+      </p:cxnSp>
+      <p:cxnSp>
+        <p:nvCxnSpPr>
+          <p:cNvPr id="22" name="直接箭头连接符 21">
+            <a:extLst>
+              <a:ext uri="{FF2B5EF4-FFF2-40B4-BE49-F238E27FC236}">
+                <a16:creationId xmlns:a16="http://schemas.microsoft.com/office/drawing/2014/main" id="{355B2224-6135-4A1B-BC60-D9CE46252F33}"/>
+              </a:ext>
+            </a:extLst>
+          </p:cNvPr>
+          <p:cNvCxnSpPr>
+            <a:cxnSpLocks/>
+          </p:cNvCxnSpPr>
+          <p:nvPr/>
+        </p:nvCxnSpPr>
+        <p:spPr>
+          <a:xfrm>
+            <a:off x="5841507" y="1459022"/>
+            <a:ext cx="1606858" cy="653863"/>
+          </a:xfrm>
+          <a:prstGeom prst="straightConnector1">
+            <a:avLst/>
+          </a:prstGeom>
+          <a:ln>
+            <a:tailEnd type="triangle"/>
+          </a:ln>
+        </p:spPr>
+        <p:style>
+          <a:lnRef idx="2">
+            <a:schemeClr val="accent2"/>
+          </a:lnRef>
+          <a:fillRef idx="0">
+            <a:schemeClr val="accent2"/>
+          </a:fillRef>
+          <a:effectRef idx="1">
+            <a:schemeClr val="accent2"/>
+          </a:effectRef>
+          <a:fontRef idx="minor">
+            <a:schemeClr val="tx1"/>
+          </a:fontRef>
+        </p:style>
+      </p:cxnSp>
+      <p:sp>
+        <p:nvSpPr>
+          <p:cNvPr id="28" name="文本框 27">
+            <a:extLst>
+              <a:ext uri="{FF2B5EF4-FFF2-40B4-BE49-F238E27FC236}">
+                <a16:creationId xmlns:a16="http://schemas.microsoft.com/office/drawing/2014/main" id="{A2308FCD-9138-4AC6-B919-F3FD00D5CAB5}"/>
+              </a:ext>
+            </a:extLst>
+          </p:cNvPr>
+          <p:cNvSpPr txBox="1"/>
+          <p:nvPr/>
+        </p:nvSpPr>
+        <p:spPr>
+          <a:xfrm>
+            <a:off x="4200619" y="1770199"/>
+            <a:ext cx="681632" cy="276999"/>
+          </a:xfrm>
+          <a:prstGeom prst="rect">
+            <a:avLst/>
+          </a:prstGeom>
+          <a:noFill/>
+        </p:spPr>
+        <p:txBody>
+          <a:bodyPr wrap="square" rtlCol="0">
+            <a:spAutoFit/>
+          </a:bodyPr>
+          <a:lstStyle/>
+          <a:p>
+            <a:r>
+              <a:rPr lang="en-US" altLang="zh-CN" sz="1200" dirty="0">
+                <a:latin typeface="Courier New" panose="02070309020205020404" pitchFamily="49" charset="0"/>
+                <a:cs typeface="Courier New" panose="02070309020205020404" pitchFamily="49" charset="0"/>
+              </a:rPr>
+              <a:t>write</a:t>
+            </a:r>
+            <a:endParaRPr lang="zh-CN" altLang="en-US" sz="1200" dirty="0">
+              <a:latin typeface="Courier New" panose="02070309020205020404" pitchFamily="49" charset="0"/>
+              <a:cs typeface="Courier New" panose="02070309020205020404" pitchFamily="49" charset="0"/>
+            </a:endParaRPr>
+          </a:p>
+        </p:txBody>
+      </p:sp>
+      <p:sp>
+        <p:nvSpPr>
+          <p:cNvPr id="29" name="文本框 28">
+            <a:extLst>
+              <a:ext uri="{FF2B5EF4-FFF2-40B4-BE49-F238E27FC236}">
+                <a16:creationId xmlns:a16="http://schemas.microsoft.com/office/drawing/2014/main" id="{78CF3DBF-EE1E-4E81-9202-AFE3646140FD}"/>
+              </a:ext>
+            </a:extLst>
+          </p:cNvPr>
+          <p:cNvSpPr txBox="1"/>
+          <p:nvPr/>
+        </p:nvSpPr>
+        <p:spPr>
+          <a:xfrm>
+            <a:off x="4944318" y="1776409"/>
+            <a:ext cx="681632" cy="276999"/>
+          </a:xfrm>
+          <a:prstGeom prst="rect">
+            <a:avLst/>
+          </a:prstGeom>
+          <a:noFill/>
+        </p:spPr>
+        <p:txBody>
+          <a:bodyPr wrap="square" rtlCol="0">
+            <a:spAutoFit/>
+          </a:bodyPr>
+          <a:lstStyle/>
+          <a:p>
+            <a:r>
+              <a:rPr lang="en-US" altLang="zh-CN" sz="1200" dirty="0">
+                <a:latin typeface="Courier New" panose="02070309020205020404" pitchFamily="49" charset="0"/>
+                <a:cs typeface="Courier New" panose="02070309020205020404" pitchFamily="49" charset="0"/>
+              </a:rPr>
+              <a:t>read</a:t>
+            </a:r>
+            <a:endParaRPr lang="zh-CN" altLang="en-US" sz="1200" dirty="0">
+              <a:latin typeface="Courier New" panose="02070309020205020404" pitchFamily="49" charset="0"/>
+              <a:cs typeface="Courier New" panose="02070309020205020404" pitchFamily="49" charset="0"/>
+            </a:endParaRPr>
+          </a:p>
+        </p:txBody>
+      </p:sp>
+      <p:sp>
+        <p:nvSpPr>
+          <p:cNvPr id="30" name="文本框 29">
+            <a:extLst>
+              <a:ext uri="{FF2B5EF4-FFF2-40B4-BE49-F238E27FC236}">
+                <a16:creationId xmlns:a16="http://schemas.microsoft.com/office/drawing/2014/main" id="{6D31CFC3-BBD4-4740-92F9-386F1861E966}"/>
+              </a:ext>
+            </a:extLst>
+          </p:cNvPr>
+          <p:cNvSpPr txBox="1"/>
+          <p:nvPr/>
+        </p:nvSpPr>
+        <p:spPr>
+          <a:xfrm>
+            <a:off x="5991884" y="1765048"/>
+            <a:ext cx="681632" cy="276999"/>
+          </a:xfrm>
+          <a:prstGeom prst="rect">
+            <a:avLst/>
+          </a:prstGeom>
+          <a:noFill/>
+        </p:spPr>
+        <p:txBody>
+          <a:bodyPr wrap="square" rtlCol="0">
+            <a:spAutoFit/>
+          </a:bodyPr>
+          <a:lstStyle/>
+          <a:p>
+            <a:r>
+              <a:rPr lang="en-US" altLang="zh-CN" sz="1200" dirty="0">
+                <a:latin typeface="Courier New" panose="02070309020205020404" pitchFamily="49" charset="0"/>
+                <a:cs typeface="Courier New" panose="02070309020205020404" pitchFamily="49" charset="0"/>
+              </a:rPr>
+              <a:t>read</a:t>
+            </a:r>
+            <a:endParaRPr lang="zh-CN" altLang="en-US" sz="1200" dirty="0">
+              <a:latin typeface="Courier New" panose="02070309020205020404" pitchFamily="49" charset="0"/>
+              <a:cs typeface="Courier New" panose="02070309020205020404" pitchFamily="49" charset="0"/>
+            </a:endParaRPr>
+          </a:p>
+        </p:txBody>
+      </p:sp>
+      <p:sp>
+        <p:nvSpPr>
+          <p:cNvPr id="31" name="文本框 30">
+            <a:extLst>
+              <a:ext uri="{FF2B5EF4-FFF2-40B4-BE49-F238E27FC236}">
+                <a16:creationId xmlns:a16="http://schemas.microsoft.com/office/drawing/2014/main" id="{B01A2E14-3D7E-4B09-B974-9EE9E3559BA5}"/>
+              </a:ext>
+            </a:extLst>
+          </p:cNvPr>
+          <p:cNvSpPr txBox="1"/>
+          <p:nvPr/>
+        </p:nvSpPr>
+        <p:spPr>
+          <a:xfrm>
+            <a:off x="6912239" y="1725995"/>
+            <a:ext cx="681632" cy="276999"/>
+          </a:xfrm>
+          <a:prstGeom prst="rect">
+            <a:avLst/>
+          </a:prstGeom>
+          <a:noFill/>
+        </p:spPr>
+        <p:txBody>
+          <a:bodyPr wrap="square" rtlCol="0">
+            <a:spAutoFit/>
+          </a:bodyPr>
+          <a:lstStyle/>
+          <a:p>
+            <a:r>
+              <a:rPr lang="en-US" altLang="zh-CN" sz="1200" dirty="0">
+                <a:latin typeface="Courier New" panose="02070309020205020404" pitchFamily="49" charset="0"/>
+                <a:cs typeface="Courier New" panose="02070309020205020404" pitchFamily="49" charset="0"/>
+              </a:rPr>
+              <a:t>read</a:t>
+            </a:r>
+            <a:endParaRPr lang="zh-CN" altLang="en-US" sz="1200" dirty="0">
+              <a:latin typeface="Courier New" panose="02070309020205020404" pitchFamily="49" charset="0"/>
+              <a:cs typeface="Courier New" panose="02070309020205020404" pitchFamily="49" charset="0"/>
+            </a:endParaRPr>
+          </a:p>
+        </p:txBody>
+      </p:sp>
+      <p:sp>
+        <p:nvSpPr>
+          <p:cNvPr id="32" name="椭圆 31">
+            <a:extLst>
+              <a:ext uri="{FF2B5EF4-FFF2-40B4-BE49-F238E27FC236}">
+                <a16:creationId xmlns:a16="http://schemas.microsoft.com/office/drawing/2014/main" id="{43C82B74-3B4E-4E17-B722-A3D926EA43BE}"/>
+              </a:ext>
+            </a:extLst>
+          </p:cNvPr>
+          <p:cNvSpPr/>
+          <p:nvPr/>
+        </p:nvSpPr>
+        <p:spPr>
+          <a:xfrm>
+            <a:off x="2860464" y="3175986"/>
+            <a:ext cx="1010199" cy="506028"/>
+          </a:xfrm>
+          <a:prstGeom prst="ellipse">
+            <a:avLst/>
+          </a:prstGeom>
+        </p:spPr>
+        <p:style>
+          <a:lnRef idx="2">
+            <a:schemeClr val="accent1">
+              <a:shade val="50000"/>
+            </a:schemeClr>
+          </a:lnRef>
+          <a:fillRef idx="1">
+            <a:schemeClr val="accent1"/>
+          </a:fillRef>
+          <a:effectRef idx="0">
+            <a:schemeClr val="accent1"/>
+          </a:effectRef>
+          <a:fontRef idx="minor">
+            <a:schemeClr val="lt1"/>
+          </a:fontRef>
+        </p:style>
+        <p:txBody>
+          <a:bodyPr rtlCol="0" anchor="ctr"/>
+          <a:lstStyle/>
+          <a:p>
+            <a:pPr algn="ctr"/>
+            <a:r>
+              <a:rPr lang="en-US" altLang="zh-CN" sz="1200" dirty="0">
+                <a:solidFill>
+                  <a:schemeClr val="tx1"/>
+                </a:solidFill>
+                <a:latin typeface="Courier New" panose="02070309020205020404" pitchFamily="49" charset="0"/>
+                <a:cs typeface="Courier New" panose="02070309020205020404" pitchFamily="49" charset="0"/>
+              </a:rPr>
+              <a:t>MySQL</a:t>
+            </a:r>
+          </a:p>
+          <a:p>
+            <a:pPr algn="ctr"/>
+            <a:r>
+              <a:rPr lang="en-US" altLang="zh-CN" sz="1200" dirty="0">
+                <a:solidFill>
+                  <a:schemeClr val="tx1"/>
+                </a:solidFill>
+                <a:latin typeface="Courier New" panose="02070309020205020404" pitchFamily="49" charset="0"/>
+                <a:cs typeface="Courier New" panose="02070309020205020404" pitchFamily="49" charset="0"/>
+              </a:rPr>
+              <a:t>A’</a:t>
+            </a:r>
+            <a:endParaRPr lang="zh-CN" altLang="en-US" sz="1200" dirty="0">
+              <a:solidFill>
+                <a:schemeClr val="tx1"/>
+              </a:solidFill>
+              <a:latin typeface="Courier New" panose="02070309020205020404" pitchFamily="49" charset="0"/>
+              <a:cs typeface="Courier New" panose="02070309020205020404" pitchFamily="49" charset="0"/>
+            </a:endParaRPr>
+          </a:p>
+        </p:txBody>
+      </p:sp>
+      <p:cxnSp>
+        <p:nvCxnSpPr>
+          <p:cNvPr id="40" name="直接箭头连接符 39">
+            <a:extLst>
+              <a:ext uri="{FF2B5EF4-FFF2-40B4-BE49-F238E27FC236}">
+                <a16:creationId xmlns:a16="http://schemas.microsoft.com/office/drawing/2014/main" id="{65998FBC-FEE6-4102-84F1-7531F3D48140}"/>
+              </a:ext>
+            </a:extLst>
+          </p:cNvPr>
+          <p:cNvCxnSpPr>
+            <a:cxnSpLocks/>
+          </p:cNvCxnSpPr>
+          <p:nvPr/>
+        </p:nvCxnSpPr>
+        <p:spPr>
+          <a:xfrm flipH="1">
+            <a:off x="3178206" y="2618912"/>
+            <a:ext cx="8877" cy="585927"/>
+          </a:xfrm>
+          <a:prstGeom prst="straightConnector1">
+            <a:avLst/>
+          </a:prstGeom>
+          <a:ln>
+            <a:prstDash val="dash"/>
+            <a:tailEnd type="triangle"/>
+          </a:ln>
+        </p:spPr>
+        <p:style>
+          <a:lnRef idx="3">
+            <a:schemeClr val="dk1"/>
+          </a:lnRef>
+          <a:fillRef idx="0">
+            <a:schemeClr val="dk1"/>
+          </a:fillRef>
+          <a:effectRef idx="2">
+            <a:schemeClr val="dk1"/>
+          </a:effectRef>
+          <a:fontRef idx="minor">
+            <a:schemeClr val="tx1"/>
+          </a:fontRef>
+        </p:style>
+      </p:cxnSp>
+      <p:cxnSp>
+        <p:nvCxnSpPr>
+          <p:cNvPr id="42" name="直接箭头连接符 41">
+            <a:extLst>
+              <a:ext uri="{FF2B5EF4-FFF2-40B4-BE49-F238E27FC236}">
+                <a16:creationId xmlns:a16="http://schemas.microsoft.com/office/drawing/2014/main" id="{56206AFA-E38D-466A-9552-51A51F70DA2A}"/>
+              </a:ext>
+            </a:extLst>
+          </p:cNvPr>
+          <p:cNvCxnSpPr>
+            <a:cxnSpLocks/>
+          </p:cNvCxnSpPr>
+          <p:nvPr/>
+        </p:nvCxnSpPr>
+        <p:spPr>
+          <a:xfrm flipV="1">
+            <a:off x="3511601" y="2618913"/>
+            <a:ext cx="8394" cy="557073"/>
+          </a:xfrm>
+          <a:prstGeom prst="straightConnector1">
+            <a:avLst/>
+          </a:prstGeom>
+          <a:ln>
+            <a:prstDash val="dash"/>
+            <a:tailEnd type="triangle"/>
+          </a:ln>
+        </p:spPr>
+        <p:style>
+          <a:lnRef idx="3">
+            <a:schemeClr val="dk1"/>
+          </a:lnRef>
+          <a:fillRef idx="0">
+            <a:schemeClr val="dk1"/>
+          </a:fillRef>
+          <a:effectRef idx="2">
+            <a:schemeClr val="dk1"/>
+          </a:effectRef>
+          <a:fontRef idx="minor">
+            <a:schemeClr val="tx1"/>
+          </a:fontRef>
+        </p:style>
+      </p:cxnSp>
+      <p:cxnSp>
+        <p:nvCxnSpPr>
+          <p:cNvPr id="46" name="直接连接符 45">
+            <a:extLst>
+              <a:ext uri="{FF2B5EF4-FFF2-40B4-BE49-F238E27FC236}">
+                <a16:creationId xmlns:a16="http://schemas.microsoft.com/office/drawing/2014/main" id="{73F66BAA-12A8-4BF3-B7A0-0B37F5228659}"/>
+              </a:ext>
+            </a:extLst>
+          </p:cNvPr>
+          <p:cNvCxnSpPr>
+            <a:stCxn id="4" idx="4"/>
+          </p:cNvCxnSpPr>
+          <p:nvPr/>
+        </p:nvCxnSpPr>
+        <p:spPr>
+          <a:xfrm flipH="1">
+            <a:off x="4833889" y="2618913"/>
+            <a:ext cx="1" cy="159798"/>
+          </a:xfrm>
+          <a:prstGeom prst="line">
+            <a:avLst/>
+          </a:prstGeom>
+          <a:ln>
+            <a:prstDash val="dash"/>
+          </a:ln>
+        </p:spPr>
+        <p:style>
+          <a:lnRef idx="3">
+            <a:schemeClr val="dk1"/>
+          </a:lnRef>
+          <a:fillRef idx="0">
+            <a:schemeClr val="dk1"/>
+          </a:fillRef>
+          <a:effectRef idx="2">
+            <a:schemeClr val="dk1"/>
+          </a:effectRef>
+          <a:fontRef idx="minor">
+            <a:schemeClr val="tx1"/>
+          </a:fontRef>
+        </p:style>
+      </p:cxnSp>
+      <p:cxnSp>
+        <p:nvCxnSpPr>
+          <p:cNvPr id="50" name="直接连接符 49">
+            <a:extLst>
+              <a:ext uri="{FF2B5EF4-FFF2-40B4-BE49-F238E27FC236}">
+                <a16:creationId xmlns:a16="http://schemas.microsoft.com/office/drawing/2014/main" id="{29745FA9-6E00-41AA-B5DA-C1E56DD3D37F}"/>
+              </a:ext>
+            </a:extLst>
+          </p:cNvPr>
+          <p:cNvCxnSpPr/>
+          <p:nvPr/>
+        </p:nvCxnSpPr>
+        <p:spPr>
+          <a:xfrm flipH="1">
+            <a:off x="3519994" y="2778711"/>
+            <a:ext cx="1313895" cy="0"/>
+          </a:xfrm>
+          <a:prstGeom prst="line">
+            <a:avLst/>
+          </a:prstGeom>
+          <a:ln>
+            <a:prstDash val="dash"/>
+          </a:ln>
+        </p:spPr>
+        <p:style>
+          <a:lnRef idx="3">
+            <a:schemeClr val="dk1"/>
+          </a:lnRef>
+          <a:fillRef idx="0">
+            <a:schemeClr val="dk1"/>
+          </a:fillRef>
+          <a:effectRef idx="2">
+            <a:schemeClr val="dk1"/>
+          </a:effectRef>
+          <a:fontRef idx="minor">
+            <a:schemeClr val="tx1"/>
+          </a:fontRef>
+        </p:style>
+      </p:cxnSp>
+      <p:cxnSp>
+        <p:nvCxnSpPr>
+          <p:cNvPr id="51" name="直接连接符 50">
+            <a:extLst>
+              <a:ext uri="{FF2B5EF4-FFF2-40B4-BE49-F238E27FC236}">
+                <a16:creationId xmlns:a16="http://schemas.microsoft.com/office/drawing/2014/main" id="{0713BA11-DD1D-4BD8-A8E1-ED5D26F003E8}"/>
+              </a:ext>
+            </a:extLst>
+          </p:cNvPr>
+          <p:cNvCxnSpPr>
+            <a:cxnSpLocks/>
+          </p:cNvCxnSpPr>
+          <p:nvPr/>
+        </p:nvCxnSpPr>
+        <p:spPr>
+          <a:xfrm flipH="1">
+            <a:off x="3540708" y="2932957"/>
+            <a:ext cx="2664780" cy="0"/>
+          </a:xfrm>
+          <a:prstGeom prst="line">
+            <a:avLst/>
+          </a:prstGeom>
+          <a:ln>
+            <a:prstDash val="dash"/>
+          </a:ln>
+        </p:spPr>
+        <p:style>
+          <a:lnRef idx="3">
+            <a:schemeClr val="dk1"/>
+          </a:lnRef>
+          <a:fillRef idx="0">
+            <a:schemeClr val="dk1"/>
+          </a:fillRef>
+          <a:effectRef idx="2">
+            <a:schemeClr val="dk1"/>
+          </a:effectRef>
+          <a:fontRef idx="minor">
+            <a:schemeClr val="tx1"/>
+          </a:fontRef>
+        </p:style>
+      </p:cxnSp>
+      <p:cxnSp>
+        <p:nvCxnSpPr>
+          <p:cNvPr id="52" name="直接连接符 51">
+            <a:extLst>
+              <a:ext uri="{FF2B5EF4-FFF2-40B4-BE49-F238E27FC236}">
+                <a16:creationId xmlns:a16="http://schemas.microsoft.com/office/drawing/2014/main" id="{0900A1B2-A0AB-475C-AAAB-F742E80FFEF0}"/>
+              </a:ext>
+            </a:extLst>
+          </p:cNvPr>
+          <p:cNvCxnSpPr>
+            <a:cxnSpLocks/>
+          </p:cNvCxnSpPr>
+          <p:nvPr/>
+        </p:nvCxnSpPr>
+        <p:spPr>
+          <a:xfrm flipH="1">
+            <a:off x="6205488" y="2639994"/>
+            <a:ext cx="4" cy="301473"/>
+          </a:xfrm>
+          <a:prstGeom prst="line">
+            <a:avLst/>
+          </a:prstGeom>
+          <a:ln>
+            <a:prstDash val="dash"/>
+          </a:ln>
+        </p:spPr>
+        <p:style>
+          <a:lnRef idx="3">
+            <a:schemeClr val="dk1"/>
+          </a:lnRef>
+          <a:fillRef idx="0">
+            <a:schemeClr val="dk1"/>
+          </a:fillRef>
+          <a:effectRef idx="2">
+            <a:schemeClr val="dk1"/>
+          </a:effectRef>
+          <a:fontRef idx="minor">
+            <a:schemeClr val="tx1"/>
+          </a:fontRef>
+        </p:style>
+      </p:cxnSp>
+      <p:cxnSp>
+        <p:nvCxnSpPr>
+          <p:cNvPr id="55" name="直接连接符 54">
+            <a:extLst>
+              <a:ext uri="{FF2B5EF4-FFF2-40B4-BE49-F238E27FC236}">
+                <a16:creationId xmlns:a16="http://schemas.microsoft.com/office/drawing/2014/main" id="{11BD4CAE-4EB9-4F20-BF8C-DA946CB94D17}"/>
+              </a:ext>
+            </a:extLst>
+          </p:cNvPr>
+          <p:cNvCxnSpPr>
+            <a:cxnSpLocks/>
+          </p:cNvCxnSpPr>
+          <p:nvPr/>
+        </p:nvCxnSpPr>
+        <p:spPr>
+          <a:xfrm>
+            <a:off x="7593873" y="2625567"/>
+            <a:ext cx="0" cy="442037"/>
+          </a:xfrm>
+          <a:prstGeom prst="line">
+            <a:avLst/>
+          </a:prstGeom>
+          <a:ln>
+            <a:prstDash val="dash"/>
+          </a:ln>
+        </p:spPr>
+        <p:style>
+          <a:lnRef idx="3">
+            <a:schemeClr val="dk1"/>
+          </a:lnRef>
+          <a:fillRef idx="0">
+            <a:schemeClr val="dk1"/>
+          </a:fillRef>
+          <a:effectRef idx="2">
+            <a:schemeClr val="dk1"/>
+          </a:effectRef>
+          <a:fontRef idx="minor">
+            <a:schemeClr val="tx1"/>
+          </a:fontRef>
+        </p:style>
+      </p:cxnSp>
+      <p:cxnSp>
+        <p:nvCxnSpPr>
+          <p:cNvPr id="57" name="直接连接符 56">
+            <a:extLst>
+              <a:ext uri="{FF2B5EF4-FFF2-40B4-BE49-F238E27FC236}">
+                <a16:creationId xmlns:a16="http://schemas.microsoft.com/office/drawing/2014/main" id="{9B2A1117-AAB5-4868-9931-15EC6CB63940}"/>
+              </a:ext>
+            </a:extLst>
+          </p:cNvPr>
+          <p:cNvCxnSpPr>
+            <a:cxnSpLocks/>
+          </p:cNvCxnSpPr>
+          <p:nvPr/>
+        </p:nvCxnSpPr>
+        <p:spPr>
+          <a:xfrm flipH="1">
+            <a:off x="3519995" y="3067604"/>
+            <a:ext cx="4057092" cy="0"/>
+          </a:xfrm>
+          <a:prstGeom prst="line">
+            <a:avLst/>
+          </a:prstGeom>
+          <a:ln>
+            <a:prstDash val="dash"/>
+          </a:ln>
+        </p:spPr>
+        <p:style>
+          <a:lnRef idx="3">
+            <a:schemeClr val="dk1"/>
+          </a:lnRef>
+          <a:fillRef idx="0">
+            <a:schemeClr val="dk1"/>
+          </a:fillRef>
+          <a:effectRef idx="2">
+            <a:schemeClr val="dk1"/>
+          </a:effectRef>
+          <a:fontRef idx="minor">
+            <a:schemeClr val="tx1"/>
+          </a:fontRef>
+        </p:style>
+      </p:cxnSp>
+      <p:sp>
+        <p:nvSpPr>
+          <p:cNvPr id="67" name="文本框 66">
+            <a:extLst>
+              <a:ext uri="{FF2B5EF4-FFF2-40B4-BE49-F238E27FC236}">
+                <a16:creationId xmlns:a16="http://schemas.microsoft.com/office/drawing/2014/main" id="{F458F78F-AA74-47B8-B199-799A7CF6A877}"/>
+              </a:ext>
+            </a:extLst>
+          </p:cNvPr>
+          <p:cNvSpPr txBox="1"/>
+          <p:nvPr/>
+        </p:nvSpPr>
+        <p:spPr>
+          <a:xfrm>
+            <a:off x="4482688" y="2552818"/>
+            <a:ext cx="923260" cy="276999"/>
+          </a:xfrm>
+          <a:prstGeom prst="rect">
+            <a:avLst/>
+          </a:prstGeom>
+          <a:noFill/>
+        </p:spPr>
+        <p:txBody>
+          <a:bodyPr wrap="square" rtlCol="0">
+            <a:spAutoFit/>
+          </a:bodyPr>
+          <a:lstStyle/>
+          <a:p>
+            <a:r>
+              <a:rPr lang="en-US" altLang="zh-CN" sz="1200" dirty="0" err="1">
+                <a:solidFill>
+                  <a:srgbClr val="FF0000"/>
+                </a:solidFill>
+                <a:latin typeface="Courier New" panose="02070309020205020404" pitchFamily="49" charset="0"/>
+                <a:cs typeface="Courier New" panose="02070309020205020404" pitchFamily="49" charset="0"/>
+              </a:rPr>
+              <a:t>Readonly</a:t>
+            </a:r>
+            <a:endParaRPr lang="zh-CN" altLang="en-US" sz="1200" dirty="0">
+              <a:solidFill>
+                <a:srgbClr val="FF0000"/>
+              </a:solidFill>
+              <a:latin typeface="Courier New" panose="02070309020205020404" pitchFamily="49" charset="0"/>
+              <a:cs typeface="Courier New" panose="02070309020205020404" pitchFamily="49" charset="0"/>
+            </a:endParaRPr>
+          </a:p>
+        </p:txBody>
+      </p:sp>
+      <p:sp>
+        <p:nvSpPr>
+          <p:cNvPr id="68" name="文本框 67">
+            <a:extLst>
+              <a:ext uri="{FF2B5EF4-FFF2-40B4-BE49-F238E27FC236}">
+                <a16:creationId xmlns:a16="http://schemas.microsoft.com/office/drawing/2014/main" id="{3E8A83E3-555A-4D09-98A5-F71E6A3F4735}"/>
+              </a:ext>
+            </a:extLst>
+          </p:cNvPr>
+          <p:cNvSpPr txBox="1"/>
+          <p:nvPr/>
+        </p:nvSpPr>
+        <p:spPr>
+          <a:xfrm>
+            <a:off x="5841507" y="2583245"/>
+            <a:ext cx="923260" cy="276999"/>
+          </a:xfrm>
+          <a:prstGeom prst="rect">
+            <a:avLst/>
+          </a:prstGeom>
+          <a:noFill/>
+        </p:spPr>
+        <p:txBody>
+          <a:bodyPr wrap="square" rtlCol="0">
+            <a:spAutoFit/>
+          </a:bodyPr>
+          <a:lstStyle/>
+          <a:p>
+            <a:r>
+              <a:rPr lang="en-US" altLang="zh-CN" sz="1200" dirty="0" err="1">
+                <a:solidFill>
+                  <a:srgbClr val="FF0000"/>
+                </a:solidFill>
+                <a:latin typeface="Courier New" panose="02070309020205020404" pitchFamily="49" charset="0"/>
+                <a:cs typeface="Courier New" panose="02070309020205020404" pitchFamily="49" charset="0"/>
+              </a:rPr>
+              <a:t>Readonly</a:t>
+            </a:r>
+            <a:endParaRPr lang="zh-CN" altLang="en-US" sz="1200" dirty="0">
+              <a:solidFill>
+                <a:srgbClr val="FF0000"/>
+              </a:solidFill>
+              <a:latin typeface="Courier New" panose="02070309020205020404" pitchFamily="49" charset="0"/>
+              <a:cs typeface="Courier New" panose="02070309020205020404" pitchFamily="49" charset="0"/>
+            </a:endParaRPr>
+          </a:p>
+        </p:txBody>
+      </p:sp>
+      <p:sp>
+        <p:nvSpPr>
+          <p:cNvPr id="69" name="文本框 68">
+            <a:extLst>
+              <a:ext uri="{FF2B5EF4-FFF2-40B4-BE49-F238E27FC236}">
+                <a16:creationId xmlns:a16="http://schemas.microsoft.com/office/drawing/2014/main" id="{7FE6AB87-01E6-4824-8228-42797C395445}"/>
+              </a:ext>
+            </a:extLst>
+          </p:cNvPr>
+          <p:cNvSpPr txBox="1"/>
+          <p:nvPr/>
+        </p:nvSpPr>
+        <p:spPr>
+          <a:xfrm>
+            <a:off x="7226421" y="2590304"/>
+            <a:ext cx="923260" cy="276999"/>
+          </a:xfrm>
+          <a:prstGeom prst="rect">
+            <a:avLst/>
+          </a:prstGeom>
+          <a:noFill/>
+        </p:spPr>
+        <p:txBody>
+          <a:bodyPr wrap="square" rtlCol="0">
+            <a:spAutoFit/>
+          </a:bodyPr>
+          <a:lstStyle/>
+          <a:p>
+            <a:r>
+              <a:rPr lang="en-US" altLang="zh-CN" sz="1200" dirty="0" err="1">
+                <a:solidFill>
+                  <a:srgbClr val="FF0000"/>
+                </a:solidFill>
+                <a:latin typeface="Courier New" panose="02070309020205020404" pitchFamily="49" charset="0"/>
+                <a:cs typeface="Courier New" panose="02070309020205020404" pitchFamily="49" charset="0"/>
+              </a:rPr>
+              <a:t>Readonly</a:t>
+            </a:r>
+            <a:endParaRPr lang="zh-CN" altLang="en-US" sz="1200" dirty="0">
+              <a:solidFill>
+                <a:srgbClr val="FF0000"/>
+              </a:solidFill>
+              <a:latin typeface="Courier New" panose="02070309020205020404" pitchFamily="49" charset="0"/>
+              <a:cs typeface="Courier New" panose="02070309020205020404" pitchFamily="49" charset="0"/>
+            </a:endParaRPr>
+          </a:p>
+        </p:txBody>
+      </p:sp>
     </p:spTree>
     <p:extLst>
       <p:ext uri="{BB962C8B-B14F-4D97-AF65-F5344CB8AC3E}">
